--- a/assets/quiz/Quiz - 01.pptx
+++ b/assets/quiz/Quiz - 01.pptx
@@ -7,6 +7,22 @@
   <p:sldIdLst>
     <p:sldId id="256" r:id="rId2"/>
     <p:sldId id="257" r:id="rId3"/>
+    <p:sldId id="258" r:id="rId4"/>
+    <p:sldId id="266" r:id="rId5"/>
+    <p:sldId id="265" r:id="rId6"/>
+    <p:sldId id="259" r:id="rId7"/>
+    <p:sldId id="260" r:id="rId8"/>
+    <p:sldId id="261" r:id="rId9"/>
+    <p:sldId id="264" r:id="rId10"/>
+    <p:sldId id="267" r:id="rId11"/>
+    <p:sldId id="268" r:id="rId12"/>
+    <p:sldId id="262" r:id="rId13"/>
+    <p:sldId id="263" r:id="rId14"/>
+    <p:sldId id="270" r:id="rId15"/>
+    <p:sldId id="272" r:id="rId16"/>
+    <p:sldId id="271" r:id="rId17"/>
+    <p:sldId id="269" r:id="rId18"/>
+    <p:sldId id="273" r:id="rId19"/>
   </p:sldIdLst>
   <p:sldSz cx="12192000" cy="6858000"/>
   <p:notesSz cx="6858000" cy="9144000"/>
@@ -105,6 +121,53 @@
       </a:defRPr>
     </a:lvl9pPr>
   </p:defaultTextStyle>
+  <p:extLst>
+    <p:ext uri="{521415D9-36F7-43E2-AB2F-B90AF26B5E84}">
+      <p14:sectionLst xmlns:p14="http://schemas.microsoft.com/office/powerpoint/2010/main">
+        <p14:section name="Default Section" id="{ED3C37A5-AA65-FD43-A74B-F90B2F4FD8A1}">
+          <p14:sldIdLst>
+            <p14:sldId id="256"/>
+          </p14:sldIdLst>
+        </p14:section>
+        <p14:section name="Java" id="{D5FAA25D-A09A-F241-B667-5CC1553DF36D}">
+          <p14:sldIdLst>
+            <p14:sldId id="257"/>
+            <p14:sldId id="258"/>
+            <p14:sldId id="266"/>
+          </p14:sldIdLst>
+        </p14:section>
+        <p14:section name="Gradle" id="{442F7FAC-28C7-EA4A-BD5B-80A5F9595CE8}">
+          <p14:sldIdLst>
+            <p14:sldId id="265"/>
+            <p14:sldId id="259"/>
+            <p14:sldId id="260"/>
+            <p14:sldId id="261"/>
+            <p14:sldId id="264"/>
+            <p14:sldId id="267"/>
+          </p14:sldIdLst>
+        </p14:section>
+        <p14:section name="JAR Files" id="{5571E2A8-F78F-A24E-983A-9CD2E21FC0AB}">
+          <p14:sldIdLst>
+            <p14:sldId id="268"/>
+            <p14:sldId id="262"/>
+            <p14:sldId id="263"/>
+          </p14:sldIdLst>
+        </p14:section>
+        <p14:section name="Docker" id="{6B9C88D1-30A0-2342-B637-7A3FA0DFFA11}">
+          <p14:sldIdLst>
+            <p14:sldId id="270"/>
+            <p14:sldId id="272"/>
+            <p14:sldId id="271"/>
+            <p14:sldId id="269"/>
+            <p14:sldId id="273"/>
+          </p14:sldIdLst>
+        </p14:section>
+      </p14:sectionLst>
+    </p:ext>
+    <p:ext uri="{EFAFB233-063F-42B5-8137-9DF3F51BA10A}">
+      <p15:sldGuideLst xmlns:p15="http://schemas.microsoft.com/office/powerpoint/2012/main"/>
+    </p:ext>
+  </p:extLst>
 </p:presentation>
 </file>
 
@@ -352,7 +415,7 @@
           <a:p>
             <a:fld id="{9184DA70-C731-4C70-880D-CCD4705E623C}" type="datetime1">
               <a:rPr lang="en-US" smtClean="0"/>
-              <a:t>5/5/20</a:t>
+              <a:t>5/6/20</a:t>
             </a:fld>
             <a:endParaRPr lang="en-US" dirty="0"/>
           </a:p>
@@ -540,7 +603,7 @@
           <a:p>
             <a:fld id="{B612A279-0833-481D-8C56-F67FD0AC6C50}" type="datetime1">
               <a:rPr lang="en-US" smtClean="0"/>
-              <a:t>5/5/20</a:t>
+              <a:t>5/6/20</a:t>
             </a:fld>
             <a:endParaRPr lang="en-US" dirty="0"/>
           </a:p>
@@ -782,7 +845,7 @@
           <a:p>
             <a:fld id="{6587DA83-5663-4C9C-B9AA-0B40A3DAFF81}" type="datetime1">
               <a:rPr lang="en-US" smtClean="0"/>
-              <a:t>5/5/20</a:t>
+              <a:t>5/6/20</a:t>
             </a:fld>
             <a:endParaRPr lang="en-US" dirty="0"/>
           </a:p>
@@ -970,7 +1033,7 @@
           <a:p>
             <a:fld id="{4BE1D723-8F53-4F53-90B0-1982A396982E}" type="datetime1">
               <a:rPr lang="en-US" smtClean="0"/>
-              <a:t>5/5/20</a:t>
+              <a:t>5/6/20</a:t>
             </a:fld>
             <a:endParaRPr lang="en-US" dirty="0"/>
           </a:p>
@@ -1343,7 +1406,7 @@
           <a:p>
             <a:fld id="{97669AF7-7BEB-44E4-9852-375E34362B5B}" type="datetime1">
               <a:rPr lang="en-US" smtClean="0"/>
-              <a:t>5/5/20</a:t>
+              <a:t>5/6/20</a:t>
             </a:fld>
             <a:endParaRPr lang="en-US" dirty="0"/>
           </a:p>
@@ -1598,7 +1661,7 @@
           <a:p>
             <a:fld id="{BAAAC38D-0552-4C82-B593-E6124DFADBE2}" type="datetime1">
               <a:rPr lang="en-US" smtClean="0"/>
-              <a:t>5/5/20</a:t>
+              <a:t>5/6/20</a:t>
             </a:fld>
             <a:endParaRPr lang="en-US" dirty="0"/>
           </a:p>
@@ -1995,7 +2058,7 @@
           <a:p>
             <a:fld id="{D9DF0F1C-5577-4ACB-BB62-DF8F3C494C7E}" type="datetime1">
               <a:rPr lang="en-US" smtClean="0"/>
-              <a:t>5/5/20</a:t>
+              <a:t>5/6/20</a:t>
             </a:fld>
             <a:endParaRPr lang="en-US" dirty="0"/>
           </a:p>
@@ -2131,7 +2194,7 @@
           <a:p>
             <a:fld id="{1775B394-D9F9-4F0C-B15D-605F45CB9E9F}" type="datetime1">
               <a:rPr lang="en-US" smtClean="0"/>
-              <a:t>5/5/20</a:t>
+              <a:t>5/6/20</a:t>
             </a:fld>
             <a:endParaRPr lang="en-US" dirty="0"/>
           </a:p>
@@ -2288,7 +2351,7 @@
           <a:p>
             <a:fld id="{39667345-2558-425A-8533-9BFDBCE15005}" type="datetime1">
               <a:rPr lang="en-US" smtClean="0"/>
-              <a:t>5/5/20</a:t>
+              <a:t>5/6/20</a:t>
             </a:fld>
             <a:endParaRPr lang="en-US" dirty="0"/>
           </a:p>
@@ -2617,7 +2680,7 @@
           <a:p>
             <a:fld id="{92BEA474-078D-4E9B-9B14-09A87B19DC46}" type="datetime1">
               <a:rPr lang="en-US" smtClean="0"/>
-              <a:t>5/5/20</a:t>
+              <a:t>5/6/20</a:t>
             </a:fld>
             <a:endParaRPr lang="en-US" dirty="0"/>
           </a:p>
@@ -2967,7 +3030,7 @@
           <a:p>
             <a:fld id="{4907D986-8816-4272-A432-0437A28A9828}" type="datetime1">
               <a:rPr lang="en-US" smtClean="0"/>
-              <a:t>5/5/20</a:t>
+              <a:t>5/6/20</a:t>
             </a:fld>
             <a:endParaRPr lang="en-US" dirty="0"/>
           </a:p>
@@ -3228,7 +3291,7 @@
           <a:p>
             <a:fld id="{62D6E202-B606-4609-B914-27C9371A1F6D}" type="datetime1">
               <a:rPr lang="en-US" smtClean="0"/>
-              <a:t>5/5/20</a:t>
+              <a:t>5/6/20</a:t>
             </a:fld>
             <a:endParaRPr lang="en-US" dirty="0"/>
           </a:p>
@@ -3942,7 +4005,7 @@
                   <a:srgbClr val="FFFFFF"/>
                 </a:solidFill>
               </a:rPr>
-              <a:t>Quiz 1</a:t>
+              <a:t>Quiz 1 - Primer</a:t>
             </a:r>
           </a:p>
         </p:txBody>
@@ -4092,6 +4155,1465 @@
 </p:sld>
 </file>
 
+<file path=ppt/slides/slide10.xml><?xml version="1.0" encoding="utf-8"?>
+<p:sld xmlns:a="http://schemas.openxmlformats.org/drawingml/2006/main" xmlns:r="http://schemas.openxmlformats.org/officeDocument/2006/relationships" xmlns:p="http://schemas.openxmlformats.org/presentationml/2006/main">
+  <p:cSld>
+    <p:spTree>
+      <p:nvGrpSpPr>
+        <p:cNvPr id="1" name=""/>
+        <p:cNvGrpSpPr/>
+        <p:nvPr/>
+      </p:nvGrpSpPr>
+      <p:grpSpPr>
+        <a:xfrm>
+          <a:off x="0" y="0"/>
+          <a:ext cx="0" cy="0"/>
+          <a:chOff x="0" y="0"/>
+          <a:chExt cx="0" cy="0"/>
+        </a:xfrm>
+      </p:grpSpPr>
+      <p:sp>
+        <p:nvSpPr>
+          <p:cNvPr id="2" name="Title 1">
+            <a:extLst>
+              <a:ext uri="{FF2B5EF4-FFF2-40B4-BE49-F238E27FC236}">
+                <a16:creationId xmlns:a16="http://schemas.microsoft.com/office/drawing/2014/main" id="{267A54DC-A6D7-E746-A32C-2A38631CEEDC}"/>
+              </a:ext>
+            </a:extLst>
+          </p:cNvPr>
+          <p:cNvSpPr>
+            <a:spLocks noGrp="1"/>
+          </p:cNvSpPr>
+          <p:nvPr>
+            <p:ph type="title"/>
+          </p:nvPr>
+        </p:nvSpPr>
+        <p:spPr/>
+        <p:txBody>
+          <a:bodyPr/>
+          <a:lstStyle/>
+          <a:p>
+            <a:r>
+              <a:rPr lang="en-GB" dirty="0"/>
+              <a:t>Gradle Configuration Language</a:t>
+            </a:r>
+          </a:p>
+        </p:txBody>
+      </p:sp>
+      <p:sp>
+        <p:nvSpPr>
+          <p:cNvPr id="3" name="Content Placeholder 2">
+            <a:extLst>
+              <a:ext uri="{FF2B5EF4-FFF2-40B4-BE49-F238E27FC236}">
+                <a16:creationId xmlns:a16="http://schemas.microsoft.com/office/drawing/2014/main" id="{D21FCD6B-981B-F047-BC8A-25DAB131928C}"/>
+              </a:ext>
+            </a:extLst>
+          </p:cNvPr>
+          <p:cNvSpPr>
+            <a:spLocks noGrp="1"/>
+          </p:cNvSpPr>
+          <p:nvPr>
+            <p:ph idx="1"/>
+          </p:nvPr>
+        </p:nvSpPr>
+        <p:spPr/>
+        <p:txBody>
+          <a:bodyPr/>
+          <a:lstStyle/>
+          <a:p>
+            <a:r>
+              <a:rPr lang="en-GB" b="1" dirty="0"/>
+              <a:t>What languages can be used to configure Gradle?</a:t>
+            </a:r>
+          </a:p>
+          <a:p>
+            <a:pPr>
+              <a:buFont typeface="Wingdings" pitchFamily="2" charset="2"/>
+              <a:buChar char="q"/>
+            </a:pPr>
+            <a:r>
+              <a:rPr lang="en-GB" dirty="0"/>
+              <a:t> Groovy</a:t>
+            </a:r>
+          </a:p>
+          <a:p>
+            <a:pPr>
+              <a:buFont typeface="Wingdings" pitchFamily="2" charset="2"/>
+              <a:buChar char="q"/>
+            </a:pPr>
+            <a:r>
+              <a:rPr lang="en-GB" dirty="0"/>
+              <a:t> Kotlin DSL for Gradle</a:t>
+            </a:r>
+          </a:p>
+          <a:p>
+            <a:pPr>
+              <a:buFont typeface="Wingdings" pitchFamily="2" charset="2"/>
+              <a:buChar char="q"/>
+            </a:pPr>
+            <a:r>
+              <a:rPr lang="en-GB" dirty="0"/>
+              <a:t> C++</a:t>
+            </a:r>
+          </a:p>
+          <a:p>
+            <a:pPr>
+              <a:buFont typeface="Wingdings" pitchFamily="2" charset="2"/>
+              <a:buChar char="q"/>
+            </a:pPr>
+            <a:r>
+              <a:rPr lang="en-GB" dirty="0"/>
+              <a:t> Python</a:t>
+            </a:r>
+          </a:p>
+        </p:txBody>
+      </p:sp>
+    </p:spTree>
+    <p:extLst>
+      <p:ext uri="{BB962C8B-B14F-4D97-AF65-F5344CB8AC3E}">
+        <p14:creationId xmlns:p14="http://schemas.microsoft.com/office/powerpoint/2010/main" val="3741489375"/>
+      </p:ext>
+    </p:extLst>
+  </p:cSld>
+  <p:clrMapOvr>
+    <a:masterClrMapping/>
+  </p:clrMapOvr>
+</p:sld>
+</file>
+
+<file path=ppt/slides/slide11.xml><?xml version="1.0" encoding="utf-8"?>
+<p:sld xmlns:a="http://schemas.openxmlformats.org/drawingml/2006/main" xmlns:r="http://schemas.openxmlformats.org/officeDocument/2006/relationships" xmlns:p="http://schemas.openxmlformats.org/presentationml/2006/main">
+  <p:cSld>
+    <p:spTree>
+      <p:nvGrpSpPr>
+        <p:cNvPr id="1" name=""/>
+        <p:cNvGrpSpPr/>
+        <p:nvPr/>
+      </p:nvGrpSpPr>
+      <p:grpSpPr>
+        <a:xfrm>
+          <a:off x="0" y="0"/>
+          <a:ext cx="0" cy="0"/>
+          <a:chOff x="0" y="0"/>
+          <a:chExt cx="0" cy="0"/>
+        </a:xfrm>
+      </p:grpSpPr>
+      <p:sp>
+        <p:nvSpPr>
+          <p:cNvPr id="2" name="Title 1">
+            <a:extLst>
+              <a:ext uri="{FF2B5EF4-FFF2-40B4-BE49-F238E27FC236}">
+                <a16:creationId xmlns:a16="http://schemas.microsoft.com/office/drawing/2014/main" id="{48F9D40B-F266-AD4F-ABB3-C564402E7DC2}"/>
+              </a:ext>
+            </a:extLst>
+          </p:cNvPr>
+          <p:cNvSpPr>
+            <a:spLocks noGrp="1"/>
+          </p:cNvSpPr>
+          <p:nvPr>
+            <p:ph type="title"/>
+          </p:nvPr>
+        </p:nvSpPr>
+        <p:spPr/>
+        <p:txBody>
+          <a:bodyPr/>
+          <a:lstStyle/>
+          <a:p>
+            <a:r>
+              <a:rPr lang="en-GB" dirty="0"/>
+              <a:t>JAR File</a:t>
+            </a:r>
+          </a:p>
+        </p:txBody>
+      </p:sp>
+      <p:sp>
+        <p:nvSpPr>
+          <p:cNvPr id="3" name="Content Placeholder 2">
+            <a:extLst>
+              <a:ext uri="{FF2B5EF4-FFF2-40B4-BE49-F238E27FC236}">
+                <a16:creationId xmlns:a16="http://schemas.microsoft.com/office/drawing/2014/main" id="{45A36791-8D12-2A47-8BE3-94196A5B8FBB}"/>
+              </a:ext>
+            </a:extLst>
+          </p:cNvPr>
+          <p:cNvSpPr>
+            <a:spLocks noGrp="1"/>
+          </p:cNvSpPr>
+          <p:nvPr>
+            <p:ph idx="1"/>
+          </p:nvPr>
+        </p:nvSpPr>
+        <p:spPr/>
+        <p:txBody>
+          <a:bodyPr/>
+          <a:lstStyle/>
+          <a:p>
+            <a:r>
+              <a:rPr lang="en-GB" b="1" dirty="0"/>
+              <a:t>What is a JAR file?</a:t>
+            </a:r>
+          </a:p>
+          <a:p>
+            <a:pPr>
+              <a:buFont typeface="Wingdings" pitchFamily="2" charset="2"/>
+              <a:buChar char="q"/>
+            </a:pPr>
+            <a:r>
+              <a:rPr lang="en-GB" dirty="0"/>
+              <a:t> A JAR is a package file format typically used to aggregate many Java class files and associated metadata and resources into one file for distribution </a:t>
+            </a:r>
+          </a:p>
+          <a:p>
+            <a:pPr>
+              <a:buFont typeface="Wingdings" pitchFamily="2" charset="2"/>
+              <a:buChar char="q"/>
+            </a:pPr>
+            <a:r>
+              <a:rPr lang="en-GB" dirty="0"/>
+              <a:t> JAR files are archive files that include a Java-specific manifest file (</a:t>
+            </a:r>
+            <a:r>
+              <a:rPr lang="en-GB" dirty="0">
+                <a:latin typeface="Courier New" panose="02070309020205020404" pitchFamily="49" charset="0"/>
+                <a:cs typeface="Courier New" panose="02070309020205020404" pitchFamily="49" charset="0"/>
+              </a:rPr>
+              <a:t>MANIFEST.MF</a:t>
+            </a:r>
+            <a:r>
+              <a:rPr lang="en-GB" dirty="0"/>
+              <a:t>) </a:t>
+            </a:r>
+          </a:p>
+          <a:p>
+            <a:pPr>
+              <a:buFont typeface="Wingdings" pitchFamily="2" charset="2"/>
+              <a:buChar char="q"/>
+            </a:pPr>
+            <a:r>
+              <a:rPr lang="en-GB" dirty="0"/>
+              <a:t> They are built on the ZIP format and typically have a </a:t>
+            </a:r>
+            <a:r>
+              <a:rPr lang="en-GB" dirty="0">
+                <a:latin typeface="Courier New" panose="02070309020205020404" pitchFamily="49" charset="0"/>
+                <a:cs typeface="Courier New" panose="02070309020205020404" pitchFamily="49" charset="0"/>
+              </a:rPr>
+              <a:t>.jar</a:t>
+            </a:r>
+            <a:r>
+              <a:rPr lang="en-GB" dirty="0"/>
+              <a:t> file extension</a:t>
+            </a:r>
+          </a:p>
+          <a:p>
+            <a:pPr>
+              <a:buFont typeface="Wingdings" pitchFamily="2" charset="2"/>
+              <a:buChar char="q"/>
+            </a:pPr>
+            <a:r>
+              <a:rPr lang="en-GB" dirty="0"/>
+              <a:t> JAR file is a typical deployment unit for a Java application</a:t>
+            </a:r>
+          </a:p>
+        </p:txBody>
+      </p:sp>
+    </p:spTree>
+    <p:extLst>
+      <p:ext uri="{BB962C8B-B14F-4D97-AF65-F5344CB8AC3E}">
+        <p14:creationId xmlns:p14="http://schemas.microsoft.com/office/powerpoint/2010/main" val="2718682872"/>
+      </p:ext>
+    </p:extLst>
+  </p:cSld>
+  <p:clrMapOvr>
+    <a:masterClrMapping/>
+  </p:clrMapOvr>
+</p:sld>
+</file>
+
+<file path=ppt/slides/slide12.xml><?xml version="1.0" encoding="utf-8"?>
+<p:sld xmlns:a="http://schemas.openxmlformats.org/drawingml/2006/main" xmlns:r="http://schemas.openxmlformats.org/officeDocument/2006/relationships" xmlns:p="http://schemas.openxmlformats.org/presentationml/2006/main">
+  <p:cSld>
+    <p:spTree>
+      <p:nvGrpSpPr>
+        <p:cNvPr id="1" name=""/>
+        <p:cNvGrpSpPr/>
+        <p:nvPr/>
+      </p:nvGrpSpPr>
+      <p:grpSpPr>
+        <a:xfrm>
+          <a:off x="0" y="0"/>
+          <a:ext cx="0" cy="0"/>
+          <a:chOff x="0" y="0"/>
+          <a:chExt cx="0" cy="0"/>
+        </a:xfrm>
+      </p:grpSpPr>
+      <p:sp>
+        <p:nvSpPr>
+          <p:cNvPr id="2" name="Title 1">
+            <a:extLst>
+              <a:ext uri="{FF2B5EF4-FFF2-40B4-BE49-F238E27FC236}">
+                <a16:creationId xmlns:a16="http://schemas.microsoft.com/office/drawing/2014/main" id="{55A8E77A-8A3A-1F49-BC3C-56A2E8343285}"/>
+              </a:ext>
+            </a:extLst>
+          </p:cNvPr>
+          <p:cNvSpPr>
+            <a:spLocks noGrp="1"/>
+          </p:cNvSpPr>
+          <p:nvPr>
+            <p:ph type="title"/>
+          </p:nvPr>
+        </p:nvSpPr>
+        <p:spPr/>
+        <p:txBody>
+          <a:bodyPr/>
+          <a:lstStyle/>
+          <a:p>
+            <a:r>
+              <a:rPr lang="en-GB" dirty="0"/>
+              <a:t>Fat JAR</a:t>
+            </a:r>
+          </a:p>
+        </p:txBody>
+      </p:sp>
+      <p:sp>
+        <p:nvSpPr>
+          <p:cNvPr id="3" name="Content Placeholder 2">
+            <a:extLst>
+              <a:ext uri="{FF2B5EF4-FFF2-40B4-BE49-F238E27FC236}">
+                <a16:creationId xmlns:a16="http://schemas.microsoft.com/office/drawing/2014/main" id="{05FBE2B0-FB3D-874A-8083-49B9501480EA}"/>
+              </a:ext>
+            </a:extLst>
+          </p:cNvPr>
+          <p:cNvSpPr>
+            <a:spLocks noGrp="1"/>
+          </p:cNvSpPr>
+          <p:nvPr>
+            <p:ph idx="1"/>
+          </p:nvPr>
+        </p:nvSpPr>
+        <p:spPr/>
+        <p:txBody>
+          <a:bodyPr/>
+          <a:lstStyle/>
+          <a:p>
+            <a:r>
+              <a:rPr lang="en-GB" b="1" dirty="0"/>
+              <a:t>Why should we create a fat JAR?</a:t>
+            </a:r>
+          </a:p>
+          <a:p>
+            <a:pPr>
+              <a:buFont typeface="Wingdings" pitchFamily="2" charset="2"/>
+              <a:buChar char="q"/>
+            </a:pPr>
+            <a:r>
+              <a:rPr lang="en-GB" dirty="0"/>
+              <a:t> Fat JARs are not recommended and it is best to packed the application without its dependencies</a:t>
+            </a:r>
+          </a:p>
+          <a:p>
+            <a:pPr>
+              <a:buFont typeface="Wingdings" pitchFamily="2" charset="2"/>
+              <a:buChar char="q"/>
+            </a:pPr>
+            <a:r>
+              <a:rPr lang="en-GB" dirty="0"/>
+              <a:t> Fat JARs simplify delivery of application as the whole application is packaged in one file</a:t>
+            </a:r>
+          </a:p>
+          <a:p>
+            <a:pPr>
+              <a:buFont typeface="Wingdings" pitchFamily="2" charset="2"/>
+              <a:buChar char="q"/>
+            </a:pPr>
+            <a:r>
+              <a:rPr lang="en-GB" dirty="0"/>
+              <a:t> Fat JARs simplify execution as only the </a:t>
+            </a:r>
+            <a:r>
+              <a:rPr lang="en-GB" dirty="0">
+                <a:latin typeface="Courier New" panose="02070309020205020404" pitchFamily="49" charset="0"/>
+                <a:cs typeface="Courier New" panose="02070309020205020404" pitchFamily="49" charset="0"/>
+              </a:rPr>
+              <a:t>-jar</a:t>
+            </a:r>
+            <a:r>
+              <a:rPr lang="en-GB" dirty="0"/>
+              <a:t> option needs to be provided</a:t>
+            </a:r>
+          </a:p>
+          <a:p>
+            <a:pPr>
+              <a:buFont typeface="Wingdings" pitchFamily="2" charset="2"/>
+              <a:buChar char="q"/>
+            </a:pPr>
+            <a:r>
+              <a:rPr lang="en-GB" dirty="0"/>
+              <a:t> No need to create a fat JARs as the </a:t>
+            </a:r>
+            <a:r>
+              <a:rPr lang="en-GB" dirty="0">
+                <a:latin typeface="Courier New" panose="02070309020205020404" pitchFamily="49" charset="0"/>
+                <a:cs typeface="Courier New" panose="02070309020205020404" pitchFamily="49" charset="0"/>
+              </a:rPr>
+              <a:t>-cp</a:t>
+            </a:r>
+            <a:r>
+              <a:rPr lang="en-GB" dirty="0"/>
+              <a:t> option can </a:t>
+            </a:r>
+            <a:r>
+              <a:rPr lang="en-GB" u="sng" dirty="0"/>
+              <a:t>easily</a:t>
+            </a:r>
+            <a:r>
+              <a:rPr lang="en-GB" dirty="0"/>
+              <a:t> achieve a similar results as the </a:t>
+            </a:r>
+            <a:r>
+              <a:rPr lang="en-GB" dirty="0">
+                <a:latin typeface="Courier New" panose="02070309020205020404" pitchFamily="49" charset="0"/>
+                <a:cs typeface="Courier New" panose="02070309020205020404" pitchFamily="49" charset="0"/>
+              </a:rPr>
+              <a:t>-jar</a:t>
+            </a:r>
+          </a:p>
+        </p:txBody>
+      </p:sp>
+    </p:spTree>
+    <p:extLst>
+      <p:ext uri="{BB962C8B-B14F-4D97-AF65-F5344CB8AC3E}">
+        <p14:creationId xmlns:p14="http://schemas.microsoft.com/office/powerpoint/2010/main" val="3636378933"/>
+      </p:ext>
+    </p:extLst>
+  </p:cSld>
+  <p:clrMapOvr>
+    <a:masterClrMapping/>
+  </p:clrMapOvr>
+</p:sld>
+</file>
+
+<file path=ppt/slides/slide13.xml><?xml version="1.0" encoding="utf-8"?>
+<p:sld xmlns:a="http://schemas.openxmlformats.org/drawingml/2006/main" xmlns:r="http://schemas.openxmlformats.org/officeDocument/2006/relationships" xmlns:p="http://schemas.openxmlformats.org/presentationml/2006/main">
+  <p:cSld>
+    <p:spTree>
+      <p:nvGrpSpPr>
+        <p:cNvPr id="1" name=""/>
+        <p:cNvGrpSpPr/>
+        <p:nvPr/>
+      </p:nvGrpSpPr>
+      <p:grpSpPr>
+        <a:xfrm>
+          <a:off x="0" y="0"/>
+          <a:ext cx="0" cy="0"/>
+          <a:chOff x="0" y="0"/>
+          <a:chExt cx="0" cy="0"/>
+        </a:xfrm>
+      </p:grpSpPr>
+      <p:sp>
+        <p:nvSpPr>
+          <p:cNvPr id="2" name="Title 1">
+            <a:extLst>
+              <a:ext uri="{FF2B5EF4-FFF2-40B4-BE49-F238E27FC236}">
+                <a16:creationId xmlns:a16="http://schemas.microsoft.com/office/drawing/2014/main" id="{249FFDAF-B71F-5745-AE39-4272E1EDFE1D}"/>
+              </a:ext>
+            </a:extLst>
+          </p:cNvPr>
+          <p:cNvSpPr>
+            <a:spLocks noGrp="1"/>
+          </p:cNvSpPr>
+          <p:nvPr>
+            <p:ph type="title"/>
+          </p:nvPr>
+        </p:nvSpPr>
+        <p:spPr/>
+        <p:txBody>
+          <a:bodyPr/>
+          <a:lstStyle/>
+          <a:p>
+            <a:r>
+              <a:rPr lang="en-GB" dirty="0"/>
+              <a:t>Running a Fat JAR</a:t>
+            </a:r>
+          </a:p>
+        </p:txBody>
+      </p:sp>
+      <p:sp>
+        <p:nvSpPr>
+          <p:cNvPr id="3" name="Content Placeholder 2">
+            <a:extLst>
+              <a:ext uri="{FF2B5EF4-FFF2-40B4-BE49-F238E27FC236}">
+                <a16:creationId xmlns:a16="http://schemas.microsoft.com/office/drawing/2014/main" id="{07A7A0EA-5E5B-764A-8388-A14E4C4B7620}"/>
+              </a:ext>
+            </a:extLst>
+          </p:cNvPr>
+          <p:cNvSpPr>
+            <a:spLocks noGrp="1"/>
+          </p:cNvSpPr>
+          <p:nvPr>
+            <p:ph idx="1"/>
+          </p:nvPr>
+        </p:nvSpPr>
+        <p:spPr/>
+        <p:txBody>
+          <a:bodyPr/>
+          <a:lstStyle/>
+          <a:p>
+            <a:r>
+              <a:rPr lang="en-GB" b="1" dirty="0"/>
+              <a:t>Given we have a fat JAR, named </a:t>
+            </a:r>
+            <a:r>
+              <a:rPr lang="en-GB" b="1" dirty="0" err="1">
+                <a:latin typeface="Courier New" panose="02070309020205020404" pitchFamily="49" charset="0"/>
+                <a:cs typeface="Courier New" panose="02070309020205020404" pitchFamily="49" charset="0"/>
+              </a:rPr>
+              <a:t>application.jar</a:t>
+            </a:r>
+            <a:r>
+              <a:rPr lang="en-GB" b="1" dirty="0"/>
+              <a:t>, how can we run it?</a:t>
+            </a:r>
+          </a:p>
+          <a:p>
+            <a:pPr>
+              <a:buFont typeface="Courier New" panose="02070309020205020404" pitchFamily="49" charset="0"/>
+              <a:buChar char="o"/>
+            </a:pPr>
+            <a:r>
+              <a:rPr lang="en-GB" dirty="0"/>
+              <a:t> </a:t>
+            </a:r>
+            <a:r>
+              <a:rPr lang="en-GB" dirty="0">
+                <a:latin typeface="Courier New" panose="02070309020205020404" pitchFamily="49" charset="0"/>
+                <a:cs typeface="Courier New" panose="02070309020205020404" pitchFamily="49" charset="0"/>
+              </a:rPr>
+              <a:t>$ </a:t>
+            </a:r>
+            <a:r>
+              <a:rPr lang="en-GB" dirty="0" err="1">
+                <a:latin typeface="Courier New" panose="02070309020205020404" pitchFamily="49" charset="0"/>
+                <a:cs typeface="Courier New" panose="02070309020205020404" pitchFamily="49" charset="0"/>
+              </a:rPr>
+              <a:t>javac</a:t>
+            </a:r>
+            <a:r>
+              <a:rPr lang="en-GB" dirty="0">
+                <a:latin typeface="Courier New" panose="02070309020205020404" pitchFamily="49" charset="0"/>
+                <a:cs typeface="Courier New" panose="02070309020205020404" pitchFamily="49" charset="0"/>
+              </a:rPr>
+              <a:t> -jar </a:t>
+            </a:r>
+            <a:r>
+              <a:rPr lang="en-GB" dirty="0" err="1">
+                <a:latin typeface="Courier New" panose="02070309020205020404" pitchFamily="49" charset="0"/>
+                <a:cs typeface="Courier New" panose="02070309020205020404" pitchFamily="49" charset="0"/>
+              </a:rPr>
+              <a:t>application.jar</a:t>
+            </a:r>
+            <a:endParaRPr lang="en-GB" dirty="0">
+              <a:latin typeface="Courier New" panose="02070309020205020404" pitchFamily="49" charset="0"/>
+              <a:cs typeface="Courier New" panose="02070309020205020404" pitchFamily="49" charset="0"/>
+            </a:endParaRPr>
+          </a:p>
+          <a:p>
+            <a:pPr>
+              <a:buFont typeface="Courier New" panose="02070309020205020404" pitchFamily="49" charset="0"/>
+              <a:buChar char="o"/>
+            </a:pPr>
+            <a:r>
+              <a:rPr lang="en-GB" dirty="0"/>
+              <a:t> </a:t>
+            </a:r>
+            <a:r>
+              <a:rPr lang="en-GB" dirty="0">
+                <a:latin typeface="Courier New" panose="02070309020205020404" pitchFamily="49" charset="0"/>
+                <a:cs typeface="Courier New" panose="02070309020205020404" pitchFamily="49" charset="0"/>
+              </a:rPr>
+              <a:t>$ java -jar </a:t>
+            </a:r>
+            <a:r>
+              <a:rPr lang="en-GB" dirty="0" err="1">
+                <a:latin typeface="Courier New" panose="02070309020205020404" pitchFamily="49" charset="0"/>
+                <a:cs typeface="Courier New" panose="02070309020205020404" pitchFamily="49" charset="0"/>
+              </a:rPr>
+              <a:t>application.jar</a:t>
+            </a:r>
+            <a:endParaRPr lang="en-GB" dirty="0">
+              <a:latin typeface="Courier New" panose="02070309020205020404" pitchFamily="49" charset="0"/>
+              <a:cs typeface="Courier New" panose="02070309020205020404" pitchFamily="49" charset="0"/>
+            </a:endParaRPr>
+          </a:p>
+          <a:p>
+            <a:pPr>
+              <a:buFont typeface="Courier New" panose="02070309020205020404" pitchFamily="49" charset="0"/>
+              <a:buChar char="o"/>
+            </a:pPr>
+            <a:r>
+              <a:rPr lang="en-GB" dirty="0"/>
+              <a:t> </a:t>
+            </a:r>
+            <a:r>
+              <a:rPr lang="en-GB" dirty="0">
+                <a:latin typeface="Courier New" panose="02070309020205020404" pitchFamily="49" charset="0"/>
+                <a:cs typeface="Courier New" panose="02070309020205020404" pitchFamily="49" charset="0"/>
+              </a:rPr>
+              <a:t>$ java </a:t>
+            </a:r>
+            <a:r>
+              <a:rPr lang="en-GB" dirty="0" err="1">
+                <a:latin typeface="Courier New" panose="02070309020205020404" pitchFamily="49" charset="0"/>
+                <a:cs typeface="Courier New" panose="02070309020205020404" pitchFamily="49" charset="0"/>
+              </a:rPr>
+              <a:t>application.jar</a:t>
+            </a:r>
+            <a:endParaRPr lang="en-GB" dirty="0">
+              <a:latin typeface="Courier New" panose="02070309020205020404" pitchFamily="49" charset="0"/>
+              <a:cs typeface="Courier New" panose="02070309020205020404" pitchFamily="49" charset="0"/>
+            </a:endParaRPr>
+          </a:p>
+          <a:p>
+            <a:pPr>
+              <a:buFont typeface="Courier New" panose="02070309020205020404" pitchFamily="49" charset="0"/>
+              <a:buChar char="o"/>
+            </a:pPr>
+            <a:r>
+              <a:rPr lang="en-GB" dirty="0"/>
+              <a:t> </a:t>
+            </a:r>
+            <a:r>
+              <a:rPr lang="en-GB" dirty="0">
+                <a:latin typeface="Courier New" panose="02070309020205020404" pitchFamily="49" charset="0"/>
+                <a:cs typeface="Courier New" panose="02070309020205020404" pitchFamily="49" charset="0"/>
+              </a:rPr>
+              <a:t>$ </a:t>
+            </a:r>
+            <a:r>
+              <a:rPr lang="en-GB" dirty="0" err="1">
+                <a:latin typeface="Courier New" panose="02070309020205020404" pitchFamily="49" charset="0"/>
+                <a:cs typeface="Courier New" panose="02070309020205020404" pitchFamily="49" charset="0"/>
+              </a:rPr>
+              <a:t>application.jar</a:t>
+            </a:r>
+            <a:endParaRPr lang="en-GB" dirty="0">
+              <a:latin typeface="Courier New" panose="02070309020205020404" pitchFamily="49" charset="0"/>
+              <a:cs typeface="Courier New" panose="02070309020205020404" pitchFamily="49" charset="0"/>
+            </a:endParaRPr>
+          </a:p>
+        </p:txBody>
+      </p:sp>
+    </p:spTree>
+    <p:extLst>
+      <p:ext uri="{BB962C8B-B14F-4D97-AF65-F5344CB8AC3E}">
+        <p14:creationId xmlns:p14="http://schemas.microsoft.com/office/powerpoint/2010/main" val="2607248970"/>
+      </p:ext>
+    </p:extLst>
+  </p:cSld>
+  <p:clrMapOvr>
+    <a:masterClrMapping/>
+  </p:clrMapOvr>
+</p:sld>
+</file>
+
+<file path=ppt/slides/slide14.xml><?xml version="1.0" encoding="utf-8"?>
+<p:sld xmlns:a="http://schemas.openxmlformats.org/drawingml/2006/main" xmlns:r="http://schemas.openxmlformats.org/officeDocument/2006/relationships" xmlns:p="http://schemas.openxmlformats.org/presentationml/2006/main">
+  <p:cSld>
+    <p:spTree>
+      <p:nvGrpSpPr>
+        <p:cNvPr id="1" name=""/>
+        <p:cNvGrpSpPr/>
+        <p:nvPr/>
+      </p:nvGrpSpPr>
+      <p:grpSpPr>
+        <a:xfrm>
+          <a:off x="0" y="0"/>
+          <a:ext cx="0" cy="0"/>
+          <a:chOff x="0" y="0"/>
+          <a:chExt cx="0" cy="0"/>
+        </a:xfrm>
+      </p:grpSpPr>
+      <p:sp>
+        <p:nvSpPr>
+          <p:cNvPr id="2" name="Title 1">
+            <a:extLst>
+              <a:ext uri="{FF2B5EF4-FFF2-40B4-BE49-F238E27FC236}">
+                <a16:creationId xmlns:a16="http://schemas.microsoft.com/office/drawing/2014/main" id="{6F5A588A-501E-2A4A-96C5-65DE1CBDC2C9}"/>
+              </a:ext>
+            </a:extLst>
+          </p:cNvPr>
+          <p:cNvSpPr>
+            <a:spLocks noGrp="1"/>
+          </p:cNvSpPr>
+          <p:nvPr>
+            <p:ph type="title"/>
+          </p:nvPr>
+        </p:nvSpPr>
+        <p:spPr/>
+        <p:txBody>
+          <a:bodyPr/>
+          <a:lstStyle/>
+          <a:p>
+            <a:r>
+              <a:rPr lang="en-GB" dirty="0"/>
+              <a:t>Docker</a:t>
+            </a:r>
+          </a:p>
+        </p:txBody>
+      </p:sp>
+      <p:sp>
+        <p:nvSpPr>
+          <p:cNvPr id="3" name="Content Placeholder 2">
+            <a:extLst>
+              <a:ext uri="{FF2B5EF4-FFF2-40B4-BE49-F238E27FC236}">
+                <a16:creationId xmlns:a16="http://schemas.microsoft.com/office/drawing/2014/main" id="{8D470008-D8B0-D749-B46D-32066B1F8C5E}"/>
+              </a:ext>
+            </a:extLst>
+          </p:cNvPr>
+          <p:cNvSpPr>
+            <a:spLocks noGrp="1"/>
+          </p:cNvSpPr>
+          <p:nvPr>
+            <p:ph idx="1"/>
+          </p:nvPr>
+        </p:nvSpPr>
+        <p:spPr/>
+        <p:txBody>
+          <a:bodyPr/>
+          <a:lstStyle/>
+          <a:p>
+            <a:r>
+              <a:rPr lang="en-GB" b="1" dirty="0"/>
+              <a:t>What are some of the advantages of Docker?</a:t>
+            </a:r>
+          </a:p>
+          <a:p>
+            <a:pPr>
+              <a:buFont typeface="Wingdings" pitchFamily="2" charset="2"/>
+              <a:buChar char="q"/>
+            </a:pPr>
+            <a:r>
+              <a:rPr lang="en-GB" dirty="0"/>
+              <a:t> Simplifies the application distribution</a:t>
+            </a:r>
+          </a:p>
+          <a:p>
+            <a:pPr>
+              <a:buFont typeface="Wingdings" pitchFamily="2" charset="2"/>
+              <a:buChar char="q"/>
+            </a:pPr>
+            <a:r>
+              <a:rPr lang="en-GB" dirty="0"/>
+              <a:t> Creates a standard way of how application can be managed by dev-ops</a:t>
+            </a:r>
+          </a:p>
+          <a:p>
+            <a:pPr>
+              <a:buFont typeface="Wingdings" pitchFamily="2" charset="2"/>
+              <a:buChar char="q"/>
+            </a:pPr>
+            <a:r>
+              <a:rPr lang="en-GB" dirty="0"/>
+              <a:t> Docker is independent from the programming language used to develop the application</a:t>
+            </a:r>
+          </a:p>
+          <a:p>
+            <a:pPr>
+              <a:buFont typeface="Wingdings" pitchFamily="2" charset="2"/>
+              <a:buChar char="q"/>
+            </a:pPr>
+            <a:r>
+              <a:rPr lang="en-GB" dirty="0"/>
+              <a:t> Only Java applications can be </a:t>
+            </a:r>
+            <a:r>
+              <a:rPr lang="en-GB" dirty="0" err="1"/>
+              <a:t>dockerized</a:t>
+            </a:r>
+            <a:endParaRPr lang="en-GB" dirty="0"/>
+          </a:p>
+        </p:txBody>
+      </p:sp>
+    </p:spTree>
+    <p:extLst>
+      <p:ext uri="{BB962C8B-B14F-4D97-AF65-F5344CB8AC3E}">
+        <p14:creationId xmlns:p14="http://schemas.microsoft.com/office/powerpoint/2010/main" val="3926004024"/>
+      </p:ext>
+    </p:extLst>
+  </p:cSld>
+  <p:clrMapOvr>
+    <a:masterClrMapping/>
+  </p:clrMapOvr>
+</p:sld>
+</file>
+
+<file path=ppt/slides/slide15.xml><?xml version="1.0" encoding="utf-8"?>
+<p:sld xmlns:a="http://schemas.openxmlformats.org/drawingml/2006/main" xmlns:r="http://schemas.openxmlformats.org/officeDocument/2006/relationships" xmlns:p="http://schemas.openxmlformats.org/presentationml/2006/main">
+  <p:cSld>
+    <p:spTree>
+      <p:nvGrpSpPr>
+        <p:cNvPr id="1" name=""/>
+        <p:cNvGrpSpPr/>
+        <p:nvPr/>
+      </p:nvGrpSpPr>
+      <p:grpSpPr>
+        <a:xfrm>
+          <a:off x="0" y="0"/>
+          <a:ext cx="0" cy="0"/>
+          <a:chOff x="0" y="0"/>
+          <a:chExt cx="0" cy="0"/>
+        </a:xfrm>
+      </p:grpSpPr>
+      <p:sp>
+        <p:nvSpPr>
+          <p:cNvPr id="2" name="Title 1">
+            <a:extLst>
+              <a:ext uri="{FF2B5EF4-FFF2-40B4-BE49-F238E27FC236}">
+                <a16:creationId xmlns:a16="http://schemas.microsoft.com/office/drawing/2014/main" id="{888606D0-2423-324F-8426-54312829B485}"/>
+              </a:ext>
+            </a:extLst>
+          </p:cNvPr>
+          <p:cNvSpPr>
+            <a:spLocks noGrp="1"/>
+          </p:cNvSpPr>
+          <p:nvPr>
+            <p:ph type="title"/>
+          </p:nvPr>
+        </p:nvSpPr>
+        <p:spPr/>
+        <p:txBody>
+          <a:bodyPr/>
+          <a:lstStyle/>
+          <a:p>
+            <a:r>
+              <a:rPr lang="en-GB" dirty="0"/>
+              <a:t>Docker Images and Containers</a:t>
+            </a:r>
+          </a:p>
+        </p:txBody>
+      </p:sp>
+      <p:sp>
+        <p:nvSpPr>
+          <p:cNvPr id="3" name="Content Placeholder 2">
+            <a:extLst>
+              <a:ext uri="{FF2B5EF4-FFF2-40B4-BE49-F238E27FC236}">
+                <a16:creationId xmlns:a16="http://schemas.microsoft.com/office/drawing/2014/main" id="{F8D38A47-33A8-484F-A602-A0E10B8EA41A}"/>
+              </a:ext>
+            </a:extLst>
+          </p:cNvPr>
+          <p:cNvSpPr>
+            <a:spLocks noGrp="1"/>
+          </p:cNvSpPr>
+          <p:nvPr>
+            <p:ph idx="1"/>
+          </p:nvPr>
+        </p:nvSpPr>
+        <p:spPr/>
+        <p:txBody>
+          <a:bodyPr/>
+          <a:lstStyle/>
+          <a:p>
+            <a:r>
+              <a:rPr lang="en-GB" b="1" dirty="0"/>
+              <a:t>Which of the following are true regarding Docker Images and Containers</a:t>
+            </a:r>
+          </a:p>
+          <a:p>
+            <a:pPr>
+              <a:buFont typeface="Wingdings" pitchFamily="2" charset="2"/>
+              <a:buChar char="q"/>
+            </a:pPr>
+            <a:r>
+              <a:rPr lang="en-GB" dirty="0"/>
+              <a:t> A Docker Image is a definition of a Docker Container</a:t>
+            </a:r>
+          </a:p>
+          <a:p>
+            <a:pPr>
+              <a:buFont typeface="Wingdings" pitchFamily="2" charset="2"/>
+              <a:buChar char="q"/>
+            </a:pPr>
+            <a:r>
+              <a:rPr lang="en-GB" dirty="0"/>
+              <a:t> A Docker Container is an instance of a Docker Image</a:t>
+            </a:r>
+          </a:p>
+          <a:p>
+            <a:pPr>
+              <a:buFont typeface="Wingdings" pitchFamily="2" charset="2"/>
+              <a:buChar char="q"/>
+            </a:pPr>
+            <a:r>
+              <a:rPr lang="en-GB" dirty="0"/>
+              <a:t> Docker Images and Containers are used interchangeably and mean the same thing</a:t>
+            </a:r>
+          </a:p>
+          <a:p>
+            <a:pPr>
+              <a:buFont typeface="Wingdings" pitchFamily="2" charset="2"/>
+              <a:buChar char="q"/>
+            </a:pPr>
+            <a:r>
+              <a:rPr lang="en-GB" dirty="0"/>
+              <a:t> Only one Docker Container can exists for every Docker Image</a:t>
+            </a:r>
+          </a:p>
+          <a:p>
+            <a:endParaRPr lang="en-GB" dirty="0"/>
+          </a:p>
+          <a:p>
+            <a:endParaRPr lang="en-GB" dirty="0"/>
+          </a:p>
+        </p:txBody>
+      </p:sp>
+    </p:spTree>
+    <p:extLst>
+      <p:ext uri="{BB962C8B-B14F-4D97-AF65-F5344CB8AC3E}">
+        <p14:creationId xmlns:p14="http://schemas.microsoft.com/office/powerpoint/2010/main" val="2655831976"/>
+      </p:ext>
+    </p:extLst>
+  </p:cSld>
+  <p:clrMapOvr>
+    <a:masterClrMapping/>
+  </p:clrMapOvr>
+</p:sld>
+</file>
+
+<file path=ppt/slides/slide16.xml><?xml version="1.0" encoding="utf-8"?>
+<p:sld xmlns:a="http://schemas.openxmlformats.org/drawingml/2006/main" xmlns:r="http://schemas.openxmlformats.org/officeDocument/2006/relationships" xmlns:p="http://schemas.openxmlformats.org/presentationml/2006/main">
+  <p:cSld>
+    <p:spTree>
+      <p:nvGrpSpPr>
+        <p:cNvPr id="1" name=""/>
+        <p:cNvGrpSpPr/>
+        <p:nvPr/>
+      </p:nvGrpSpPr>
+      <p:grpSpPr>
+        <a:xfrm>
+          <a:off x="0" y="0"/>
+          <a:ext cx="0" cy="0"/>
+          <a:chOff x="0" y="0"/>
+          <a:chExt cx="0" cy="0"/>
+        </a:xfrm>
+      </p:grpSpPr>
+      <p:sp>
+        <p:nvSpPr>
+          <p:cNvPr id="2" name="Title 1">
+            <a:extLst>
+              <a:ext uri="{FF2B5EF4-FFF2-40B4-BE49-F238E27FC236}">
+                <a16:creationId xmlns:a16="http://schemas.microsoft.com/office/drawing/2014/main" id="{058B5660-2187-D84F-B2E6-BFAB0CF81C09}"/>
+              </a:ext>
+            </a:extLst>
+          </p:cNvPr>
+          <p:cNvSpPr>
+            <a:spLocks noGrp="1"/>
+          </p:cNvSpPr>
+          <p:nvPr>
+            <p:ph type="title"/>
+          </p:nvPr>
+        </p:nvSpPr>
+        <p:spPr/>
+        <p:txBody>
+          <a:bodyPr/>
+          <a:lstStyle/>
+          <a:p>
+            <a:r>
+              <a:rPr lang="en-GB" dirty="0"/>
+              <a:t>Build Docker Image</a:t>
+            </a:r>
+          </a:p>
+        </p:txBody>
+      </p:sp>
+      <p:sp>
+        <p:nvSpPr>
+          <p:cNvPr id="3" name="Content Placeholder 2">
+            <a:extLst>
+              <a:ext uri="{FF2B5EF4-FFF2-40B4-BE49-F238E27FC236}">
+                <a16:creationId xmlns:a16="http://schemas.microsoft.com/office/drawing/2014/main" id="{6747097C-9557-8E4D-A4A6-762F58678688}"/>
+              </a:ext>
+            </a:extLst>
+          </p:cNvPr>
+          <p:cNvSpPr>
+            <a:spLocks noGrp="1"/>
+          </p:cNvSpPr>
+          <p:nvPr>
+            <p:ph idx="1"/>
+          </p:nvPr>
+        </p:nvSpPr>
+        <p:spPr/>
+        <p:txBody>
+          <a:bodyPr/>
+          <a:lstStyle/>
+          <a:p>
+            <a:r>
+              <a:rPr lang="en-GB" b="1" dirty="0"/>
+              <a:t>Given that we have the required docker configuration, how can we build a docker image?</a:t>
+            </a:r>
+          </a:p>
+          <a:p>
+            <a:pPr>
+              <a:buFont typeface="Courier New" panose="02070309020205020404" pitchFamily="49" charset="0"/>
+              <a:buChar char="o"/>
+            </a:pPr>
+            <a:r>
+              <a:rPr lang="en-GB" dirty="0"/>
+              <a:t> </a:t>
+            </a:r>
+            <a:r>
+              <a:rPr lang="en-GB" dirty="0">
+                <a:latin typeface="Courier New" panose="02070309020205020404" pitchFamily="49" charset="0"/>
+                <a:cs typeface="Courier New" panose="02070309020205020404" pitchFamily="49" charset="0"/>
+              </a:rPr>
+              <a:t>$ docker compile . -t </a:t>
+            </a:r>
+            <a:r>
+              <a:rPr lang="en-GB" dirty="0" err="1">
+                <a:latin typeface="Courier New" panose="02070309020205020404" pitchFamily="49" charset="0"/>
+                <a:cs typeface="Courier New" panose="02070309020205020404" pitchFamily="49" charset="0"/>
+              </a:rPr>
+              <a:t>my-image:local</a:t>
+            </a:r>
+            <a:endParaRPr lang="en-GB" dirty="0">
+              <a:latin typeface="Courier New" panose="02070309020205020404" pitchFamily="49" charset="0"/>
+              <a:cs typeface="Courier New" panose="02070309020205020404" pitchFamily="49" charset="0"/>
+            </a:endParaRPr>
+          </a:p>
+          <a:p>
+            <a:pPr>
+              <a:buFont typeface="Courier New" panose="02070309020205020404" pitchFamily="49" charset="0"/>
+              <a:buChar char="o"/>
+            </a:pPr>
+            <a:r>
+              <a:rPr lang="en-GB" dirty="0"/>
+              <a:t> </a:t>
+            </a:r>
+            <a:r>
+              <a:rPr lang="en-GB" dirty="0">
+                <a:latin typeface="Courier New" panose="02070309020205020404" pitchFamily="49" charset="0"/>
+                <a:cs typeface="Courier New" panose="02070309020205020404" pitchFamily="49" charset="0"/>
+              </a:rPr>
+              <a:t>$ docker build . -t </a:t>
+            </a:r>
+            <a:r>
+              <a:rPr lang="en-GB" dirty="0" err="1">
+                <a:latin typeface="Courier New" panose="02070309020205020404" pitchFamily="49" charset="0"/>
+                <a:cs typeface="Courier New" panose="02070309020205020404" pitchFamily="49" charset="0"/>
+              </a:rPr>
+              <a:t>my-image:local</a:t>
+            </a:r>
+            <a:endParaRPr lang="en-GB" dirty="0">
+              <a:latin typeface="Courier New" panose="02070309020205020404" pitchFamily="49" charset="0"/>
+              <a:cs typeface="Courier New" panose="02070309020205020404" pitchFamily="49" charset="0"/>
+            </a:endParaRPr>
+          </a:p>
+          <a:p>
+            <a:pPr>
+              <a:buFont typeface="Courier New" panose="02070309020205020404" pitchFamily="49" charset="0"/>
+              <a:buChar char="o"/>
+            </a:pPr>
+            <a:r>
+              <a:rPr lang="en-GB" dirty="0"/>
+              <a:t> </a:t>
+            </a:r>
+            <a:r>
+              <a:rPr lang="en-GB" dirty="0">
+                <a:latin typeface="Courier New" panose="02070309020205020404" pitchFamily="49" charset="0"/>
+                <a:cs typeface="Courier New" panose="02070309020205020404" pitchFamily="49" charset="0"/>
+              </a:rPr>
+              <a:t>$ docker execute . -t </a:t>
+            </a:r>
+            <a:r>
+              <a:rPr lang="en-GB" dirty="0" err="1">
+                <a:latin typeface="Courier New" panose="02070309020205020404" pitchFamily="49" charset="0"/>
+                <a:cs typeface="Courier New" panose="02070309020205020404" pitchFamily="49" charset="0"/>
+              </a:rPr>
+              <a:t>my-image:local</a:t>
+            </a:r>
+            <a:endParaRPr lang="en-GB" dirty="0">
+              <a:latin typeface="Courier New" panose="02070309020205020404" pitchFamily="49" charset="0"/>
+              <a:cs typeface="Courier New" panose="02070309020205020404" pitchFamily="49" charset="0"/>
+            </a:endParaRPr>
+          </a:p>
+          <a:p>
+            <a:pPr>
+              <a:buFont typeface="Courier New" panose="02070309020205020404" pitchFamily="49" charset="0"/>
+              <a:buChar char="o"/>
+            </a:pPr>
+            <a:r>
+              <a:rPr lang="en-GB" dirty="0"/>
+              <a:t> </a:t>
+            </a:r>
+            <a:r>
+              <a:rPr lang="en-GB" dirty="0">
+                <a:latin typeface="Courier New" panose="02070309020205020404" pitchFamily="49" charset="0"/>
+                <a:cs typeface="Courier New" panose="02070309020205020404" pitchFamily="49" charset="0"/>
+              </a:rPr>
+              <a:t>$ docker it . -t </a:t>
+            </a:r>
+            <a:r>
+              <a:rPr lang="en-GB" dirty="0" err="1">
+                <a:latin typeface="Courier New" panose="02070309020205020404" pitchFamily="49" charset="0"/>
+                <a:cs typeface="Courier New" panose="02070309020205020404" pitchFamily="49" charset="0"/>
+              </a:rPr>
+              <a:t>my-image:local</a:t>
+            </a:r>
+            <a:endParaRPr lang="en-GB" dirty="0">
+              <a:latin typeface="Courier New" panose="02070309020205020404" pitchFamily="49" charset="0"/>
+              <a:cs typeface="Courier New" panose="02070309020205020404" pitchFamily="49" charset="0"/>
+            </a:endParaRPr>
+          </a:p>
+          <a:p>
+            <a:pPr marL="0" indent="0">
+              <a:buNone/>
+            </a:pPr>
+            <a:endParaRPr lang="en-GB" dirty="0">
+              <a:latin typeface="Courier New" panose="02070309020205020404" pitchFamily="49" charset="0"/>
+              <a:cs typeface="Courier New" panose="02070309020205020404" pitchFamily="49" charset="0"/>
+            </a:endParaRPr>
+          </a:p>
+        </p:txBody>
+      </p:sp>
+    </p:spTree>
+    <p:extLst>
+      <p:ext uri="{BB962C8B-B14F-4D97-AF65-F5344CB8AC3E}">
+        <p14:creationId xmlns:p14="http://schemas.microsoft.com/office/powerpoint/2010/main" val="26838717"/>
+      </p:ext>
+    </p:extLst>
+  </p:cSld>
+  <p:clrMapOvr>
+    <a:masterClrMapping/>
+  </p:clrMapOvr>
+</p:sld>
+</file>
+
+<file path=ppt/slides/slide17.xml><?xml version="1.0" encoding="utf-8"?>
+<p:sld xmlns:a="http://schemas.openxmlformats.org/drawingml/2006/main" xmlns:r="http://schemas.openxmlformats.org/officeDocument/2006/relationships" xmlns:p="http://schemas.openxmlformats.org/presentationml/2006/main">
+  <p:cSld>
+    <p:spTree>
+      <p:nvGrpSpPr>
+        <p:cNvPr id="1" name=""/>
+        <p:cNvGrpSpPr/>
+        <p:nvPr/>
+      </p:nvGrpSpPr>
+      <p:grpSpPr>
+        <a:xfrm>
+          <a:off x="0" y="0"/>
+          <a:ext cx="0" cy="0"/>
+          <a:chOff x="0" y="0"/>
+          <a:chExt cx="0" cy="0"/>
+        </a:xfrm>
+      </p:grpSpPr>
+      <p:sp>
+        <p:nvSpPr>
+          <p:cNvPr id="2" name="Title 1">
+            <a:extLst>
+              <a:ext uri="{FF2B5EF4-FFF2-40B4-BE49-F238E27FC236}">
+                <a16:creationId xmlns:a16="http://schemas.microsoft.com/office/drawing/2014/main" id="{FA4ACFF4-0E89-9748-A507-A024B54BDA63}"/>
+              </a:ext>
+            </a:extLst>
+          </p:cNvPr>
+          <p:cNvSpPr>
+            <a:spLocks noGrp="1"/>
+          </p:cNvSpPr>
+          <p:nvPr>
+            <p:ph type="title"/>
+          </p:nvPr>
+        </p:nvSpPr>
+        <p:spPr/>
+        <p:txBody>
+          <a:bodyPr/>
+          <a:lstStyle/>
+          <a:p>
+            <a:r>
+              <a:rPr lang="en-GB" dirty="0" err="1"/>
+              <a:t>Dockerize</a:t>
+            </a:r>
+            <a:r>
+              <a:rPr lang="en-GB" dirty="0"/>
+              <a:t> Java Application</a:t>
+            </a:r>
+          </a:p>
+        </p:txBody>
+      </p:sp>
+      <p:sp>
+        <p:nvSpPr>
+          <p:cNvPr id="3" name="Content Placeholder 2">
+            <a:extLst>
+              <a:ext uri="{FF2B5EF4-FFF2-40B4-BE49-F238E27FC236}">
+                <a16:creationId xmlns:a16="http://schemas.microsoft.com/office/drawing/2014/main" id="{FA117731-ADED-B949-94E4-44A4F63531D0}"/>
+              </a:ext>
+            </a:extLst>
+          </p:cNvPr>
+          <p:cNvSpPr>
+            <a:spLocks noGrp="1"/>
+          </p:cNvSpPr>
+          <p:nvPr>
+            <p:ph idx="1"/>
+          </p:nvPr>
+        </p:nvSpPr>
+        <p:spPr/>
+        <p:txBody>
+          <a:bodyPr/>
+          <a:lstStyle/>
+          <a:p>
+            <a:r>
+              <a:rPr lang="en-GB" b="1" dirty="0"/>
+              <a:t>How can a Java application be </a:t>
+            </a:r>
+            <a:r>
+              <a:rPr lang="en-GB" b="1" dirty="0" err="1"/>
+              <a:t>Dockerized</a:t>
+            </a:r>
+            <a:r>
+              <a:rPr lang="en-GB" b="1" dirty="0"/>
+              <a:t>?</a:t>
+            </a:r>
+          </a:p>
+          <a:p>
+            <a:pPr>
+              <a:buFont typeface="Courier New" panose="02070309020205020404" pitchFamily="49" charset="0"/>
+              <a:buChar char="o"/>
+            </a:pPr>
+            <a:r>
+              <a:rPr lang="en-GB" dirty="0"/>
+              <a:t> Create a fat JAR and then run </a:t>
+            </a:r>
+            <a:r>
+              <a:rPr lang="en-GB" dirty="0">
+                <a:latin typeface="Courier New" panose="02070309020205020404" pitchFamily="49" charset="0"/>
+                <a:cs typeface="Courier New" panose="02070309020205020404" pitchFamily="49" charset="0"/>
+              </a:rPr>
+              <a:t>java –</a:t>
+            </a:r>
+            <a:r>
+              <a:rPr lang="en-GB" dirty="0" err="1">
+                <a:latin typeface="Courier New" panose="02070309020205020404" pitchFamily="49" charset="0"/>
+                <a:cs typeface="Courier New" panose="02070309020205020404" pitchFamily="49" charset="0"/>
+              </a:rPr>
+              <a:t>toDocker</a:t>
+            </a:r>
+            <a:r>
+              <a:rPr lang="en-GB" dirty="0">
+                <a:latin typeface="Courier New" panose="02070309020205020404" pitchFamily="49" charset="0"/>
+                <a:cs typeface="Courier New" panose="02070309020205020404" pitchFamily="49" charset="0"/>
+              </a:rPr>
+              <a:t> </a:t>
+            </a:r>
+            <a:r>
+              <a:rPr lang="en-GB" dirty="0" err="1">
+                <a:latin typeface="Courier New" panose="02070309020205020404" pitchFamily="49" charset="0"/>
+                <a:cs typeface="Courier New" panose="02070309020205020404" pitchFamily="49" charset="0"/>
+              </a:rPr>
+              <a:t>application.jar</a:t>
+            </a:r>
+            <a:r>
+              <a:rPr lang="en-GB" dirty="0"/>
+              <a:t> command</a:t>
+            </a:r>
+          </a:p>
+          <a:p>
+            <a:pPr>
+              <a:buFont typeface="Courier New" panose="02070309020205020404" pitchFamily="49" charset="0"/>
+              <a:buChar char="o"/>
+            </a:pPr>
+            <a:r>
+              <a:rPr lang="en-GB" dirty="0"/>
+              <a:t> Create a </a:t>
+            </a:r>
+            <a:r>
+              <a:rPr lang="en-GB" dirty="0" err="1">
+                <a:latin typeface="Courier New" panose="02070309020205020404" pitchFamily="49" charset="0"/>
+                <a:cs typeface="Courier New" panose="02070309020205020404" pitchFamily="49" charset="0"/>
+              </a:rPr>
+              <a:t>Dockerfile</a:t>
+            </a:r>
+            <a:r>
+              <a:rPr lang="en-GB" dirty="0"/>
+              <a:t> and add the necessary configurations</a:t>
+            </a:r>
+          </a:p>
+          <a:p>
+            <a:pPr>
+              <a:buFont typeface="Courier New" panose="02070309020205020404" pitchFamily="49" charset="0"/>
+              <a:buChar char="o"/>
+            </a:pPr>
+            <a:r>
+              <a:rPr lang="en-GB" dirty="0"/>
+              <a:t> A Java application cannot be </a:t>
+            </a:r>
+            <a:r>
+              <a:rPr lang="en-GB" dirty="0" err="1"/>
+              <a:t>dockerized</a:t>
+            </a:r>
+            <a:endParaRPr lang="en-GB" dirty="0"/>
+          </a:p>
+          <a:p>
+            <a:pPr>
+              <a:buFont typeface="Courier New" panose="02070309020205020404" pitchFamily="49" charset="0"/>
+              <a:buChar char="o"/>
+            </a:pPr>
+            <a:r>
+              <a:rPr lang="en-GB" dirty="0"/>
+              <a:t> Compile the Java application using the docker compiler</a:t>
+            </a:r>
+          </a:p>
+        </p:txBody>
+      </p:sp>
+    </p:spTree>
+    <p:extLst>
+      <p:ext uri="{BB962C8B-B14F-4D97-AF65-F5344CB8AC3E}">
+        <p14:creationId xmlns:p14="http://schemas.microsoft.com/office/powerpoint/2010/main" val="2708260245"/>
+      </p:ext>
+    </p:extLst>
+  </p:cSld>
+  <p:clrMapOvr>
+    <a:masterClrMapping/>
+  </p:clrMapOvr>
+</p:sld>
+</file>
+
+<file path=ppt/slides/slide18.xml><?xml version="1.0" encoding="utf-8"?>
+<p:sld xmlns:a="http://schemas.openxmlformats.org/drawingml/2006/main" xmlns:r="http://schemas.openxmlformats.org/officeDocument/2006/relationships" xmlns:p="http://schemas.openxmlformats.org/presentationml/2006/main">
+  <p:cSld>
+    <p:spTree>
+      <p:nvGrpSpPr>
+        <p:cNvPr id="1" name=""/>
+        <p:cNvGrpSpPr/>
+        <p:nvPr/>
+      </p:nvGrpSpPr>
+      <p:grpSpPr>
+        <a:xfrm>
+          <a:off x="0" y="0"/>
+          <a:ext cx="0" cy="0"/>
+          <a:chOff x="0" y="0"/>
+          <a:chExt cx="0" cy="0"/>
+        </a:xfrm>
+      </p:grpSpPr>
+      <p:sp>
+        <p:nvSpPr>
+          <p:cNvPr id="2" name="Title 1">
+            <a:extLst>
+              <a:ext uri="{FF2B5EF4-FFF2-40B4-BE49-F238E27FC236}">
+                <a16:creationId xmlns:a16="http://schemas.microsoft.com/office/drawing/2014/main" id="{423CDCBB-FE39-2640-A7F9-D35FDC38B6C4}"/>
+              </a:ext>
+            </a:extLst>
+          </p:cNvPr>
+          <p:cNvSpPr>
+            <a:spLocks noGrp="1"/>
+          </p:cNvSpPr>
+          <p:nvPr>
+            <p:ph type="title"/>
+          </p:nvPr>
+        </p:nvSpPr>
+        <p:spPr/>
+        <p:txBody>
+          <a:bodyPr/>
+          <a:lstStyle/>
+          <a:p>
+            <a:r>
+              <a:rPr lang="en-GB" dirty="0" err="1"/>
+              <a:t>Dockerize</a:t>
+            </a:r>
+            <a:r>
+              <a:rPr lang="en-GB" dirty="0"/>
+              <a:t> Java Application</a:t>
+            </a:r>
+          </a:p>
+        </p:txBody>
+      </p:sp>
+      <p:sp>
+        <p:nvSpPr>
+          <p:cNvPr id="3" name="Content Placeholder 2">
+            <a:extLst>
+              <a:ext uri="{FF2B5EF4-FFF2-40B4-BE49-F238E27FC236}">
+                <a16:creationId xmlns:a16="http://schemas.microsoft.com/office/drawing/2014/main" id="{D0069F1E-9E59-084E-BD18-6312AADDE6A9}"/>
+              </a:ext>
+            </a:extLst>
+          </p:cNvPr>
+          <p:cNvSpPr>
+            <a:spLocks noGrp="1"/>
+          </p:cNvSpPr>
+          <p:nvPr>
+            <p:ph idx="1"/>
+          </p:nvPr>
+        </p:nvSpPr>
+        <p:spPr/>
+        <p:txBody>
+          <a:bodyPr/>
+          <a:lstStyle/>
+          <a:p>
+            <a:r>
+              <a:rPr lang="en-GB" b="1" dirty="0"/>
+              <a:t>What do I need to have to </a:t>
+            </a:r>
+            <a:r>
+              <a:rPr lang="en-GB" b="1" dirty="0" err="1"/>
+              <a:t>Dockerize</a:t>
+            </a:r>
+            <a:r>
+              <a:rPr lang="en-GB" b="1" dirty="0"/>
+              <a:t> a Java application?</a:t>
+            </a:r>
+          </a:p>
+          <a:p>
+            <a:pPr>
+              <a:buFont typeface="Courier New" panose="02070309020205020404" pitchFamily="49" charset="0"/>
+              <a:buChar char="o"/>
+            </a:pPr>
+            <a:r>
+              <a:rPr lang="en-GB" dirty="0"/>
+              <a:t> Java applications cannot be </a:t>
+            </a:r>
+            <a:r>
+              <a:rPr lang="en-GB" dirty="0" err="1"/>
+              <a:t>dockerized</a:t>
+            </a:r>
+            <a:endParaRPr lang="en-GB" dirty="0"/>
+          </a:p>
+          <a:p>
+            <a:pPr>
+              <a:buFont typeface="Courier New" panose="02070309020205020404" pitchFamily="49" charset="0"/>
+              <a:buChar char="o"/>
+            </a:pPr>
+            <a:r>
+              <a:rPr lang="en-GB" dirty="0"/>
+              <a:t> Convert the Java application to native code</a:t>
+            </a:r>
+          </a:p>
+          <a:p>
+            <a:pPr>
+              <a:buFont typeface="Courier New" panose="02070309020205020404" pitchFamily="49" charset="0"/>
+              <a:buChar char="o"/>
+            </a:pPr>
+            <a:r>
+              <a:rPr lang="en-GB" dirty="0"/>
+              <a:t> Create a docker image that has the corrected version of Java installed</a:t>
+            </a:r>
+          </a:p>
+          <a:p>
+            <a:pPr>
+              <a:buFont typeface="Courier New" panose="02070309020205020404" pitchFamily="49" charset="0"/>
+              <a:buChar char="o"/>
+            </a:pPr>
+            <a:r>
+              <a:rPr lang="en-GB" dirty="0"/>
+              <a:t> Run a docker container and install everything you need on it</a:t>
+            </a:r>
+          </a:p>
+        </p:txBody>
+      </p:sp>
+    </p:spTree>
+    <p:extLst>
+      <p:ext uri="{BB962C8B-B14F-4D97-AF65-F5344CB8AC3E}">
+        <p14:creationId xmlns:p14="http://schemas.microsoft.com/office/powerpoint/2010/main" val="2736320799"/>
+      </p:ext>
+    </p:extLst>
+  </p:cSld>
+  <p:clrMapOvr>
+    <a:masterClrMapping/>
+  </p:clrMapOvr>
+</p:sld>
+</file>
+
 <file path=ppt/slides/slide2.xml><?xml version="1.0" encoding="utf-8"?>
 <p:sld xmlns:a="http://schemas.openxmlformats.org/drawingml/2006/main" xmlns:r="http://schemas.openxmlformats.org/officeDocument/2006/relationships" xmlns:p="http://schemas.openxmlformats.org/presentationml/2006/main">
   <p:cSld>
@@ -4132,7 +5654,7 @@
           <a:p>
             <a:r>
               <a:rPr lang="en-GB" dirty="0"/>
-              <a:t>Question 1</a:t>
+              <a:t>Develop Java Application</a:t>
             </a:r>
           </a:p>
         </p:txBody>
@@ -4159,92 +5681,49 @@
           <a:lstStyle/>
           <a:p>
             <a:r>
-              <a:rPr lang="en-GB" dirty="0"/>
+              <a:rPr lang="en-GB" b="1" dirty="0"/>
               <a:t>If I want to develop a Java application, what do I need to have installed on my development computer?</a:t>
             </a:r>
           </a:p>
           <a:p>
             <a:pPr>
-              <a:buFont typeface="Wingdings" pitchFamily="2" charset="2"/>
-              <a:buChar char="q"/>
-            </a:pPr>
-            <a:r>
-              <a:rPr lang="en-GB" dirty="0"/>
-              <a:t>Nothing</a:t>
+              <a:buFont typeface="Courier New" panose="02070309020205020404" pitchFamily="49" charset="0"/>
+              <a:buChar char="o"/>
+            </a:pPr>
+            <a:r>
+              <a:rPr lang="en-GB" dirty="0"/>
+              <a:t> Nothing</a:t>
             </a:r>
           </a:p>
           <a:p>
             <a:pPr>
-              <a:buFont typeface="Wingdings" pitchFamily="2" charset="2"/>
-              <a:buChar char="q"/>
-            </a:pPr>
-            <a:r>
-              <a:rPr lang="en-GB" dirty="0"/>
-              <a:t>The Java Development Kit (JDK)</a:t>
+              <a:buFont typeface="Courier New" panose="02070309020205020404" pitchFamily="49" charset="0"/>
+              <a:buChar char="o"/>
+            </a:pPr>
+            <a:r>
+              <a:rPr lang="en-GB" dirty="0"/>
+              <a:t> The Java Development Kit (JDK)</a:t>
             </a:r>
           </a:p>
           <a:p>
             <a:pPr>
-              <a:buFont typeface="Wingdings" pitchFamily="2" charset="2"/>
-              <a:buChar char="q"/>
-            </a:pPr>
-            <a:r>
-              <a:rPr lang="en-GB" dirty="0"/>
-              <a:t>The Java Runtime Environment (JRE)</a:t>
+              <a:buFont typeface="Courier New" panose="02070309020205020404" pitchFamily="49" charset="0"/>
+              <a:buChar char="o"/>
+            </a:pPr>
+            <a:r>
+              <a:rPr lang="en-GB" dirty="0"/>
+              <a:t> The Java Runtime Environment (JRE)</a:t>
             </a:r>
           </a:p>
           <a:p>
             <a:pPr>
-              <a:buFont typeface="Wingdings" pitchFamily="2" charset="2"/>
-              <a:buChar char="q"/>
-            </a:pPr>
-            <a:r>
-              <a:rPr lang="en-GB" dirty="0"/>
-              <a:t>The Just In Time (JIT) Compiler</a:t>
-            </a:r>
-          </a:p>
-        </p:txBody>
-      </p:sp>
-      <p:sp>
-        <p:nvSpPr>
-          <p:cNvPr id="4" name="TextBox 3">
-            <a:extLst>
-              <a:ext uri="{FF2B5EF4-FFF2-40B4-BE49-F238E27FC236}">
-                <a16:creationId xmlns:a16="http://schemas.microsoft.com/office/drawing/2014/main" id="{541A46C7-11AD-464F-83A1-06949F394193}"/>
-              </a:ext>
-            </a:extLst>
-          </p:cNvPr>
-          <p:cNvSpPr txBox="1"/>
-          <p:nvPr/>
-        </p:nvSpPr>
-        <p:spPr>
-          <a:xfrm>
-            <a:off x="7837271" y="5499760"/>
-            <a:ext cx="3318409" cy="369332"/>
-          </a:xfrm>
-          <a:prstGeom prst="rect">
-            <a:avLst/>
-          </a:prstGeom>
-          <a:noFill/>
-        </p:spPr>
-        <p:txBody>
-          <a:bodyPr wrap="none" rtlCol="0">
-            <a:spAutoFit/>
-          </a:bodyPr>
-          <a:lstStyle/>
-          <a:p>
-            <a:pPr algn="r"/>
-            <a:r>
-              <a:rPr lang="en-GB" dirty="0"/>
-              <a:t>Answer: </a:t>
-            </a:r>
-            <a:r>
-              <a:rPr lang="en-GB" dirty="0">
-                <a:hlinkClick r:id="rId2"/>
-              </a:rPr>
-              <a:t>https://bit.ly/2L6XHcg</a:t>
-            </a:r>
-            <a:endParaRPr lang="en-GB" dirty="0"/>
+              <a:buFont typeface="Courier New" panose="02070309020205020404" pitchFamily="49" charset="0"/>
+              <a:buChar char="o"/>
+            </a:pPr>
+            <a:r>
+              <a:rPr lang="en-GB" dirty="0"/>
+              <a:t> The Just In Time (JIT) Compiler</a:t>
+            </a:r>
           </a:p>
         </p:txBody>
       </p:sp>
@@ -4252,6 +5731,998 @@
     <p:extLst>
       <p:ext uri="{BB962C8B-B14F-4D97-AF65-F5344CB8AC3E}">
         <p14:creationId xmlns:p14="http://schemas.microsoft.com/office/powerpoint/2010/main" val="3095585810"/>
+      </p:ext>
+    </p:extLst>
+  </p:cSld>
+  <p:clrMapOvr>
+    <a:masterClrMapping/>
+  </p:clrMapOvr>
+</p:sld>
+</file>
+
+<file path=ppt/slides/slide3.xml><?xml version="1.0" encoding="utf-8"?>
+<p:sld xmlns:a="http://schemas.openxmlformats.org/drawingml/2006/main" xmlns:r="http://schemas.openxmlformats.org/officeDocument/2006/relationships" xmlns:p="http://schemas.openxmlformats.org/presentationml/2006/main">
+  <p:cSld>
+    <p:spTree>
+      <p:nvGrpSpPr>
+        <p:cNvPr id="1" name=""/>
+        <p:cNvGrpSpPr/>
+        <p:nvPr/>
+      </p:nvGrpSpPr>
+      <p:grpSpPr>
+        <a:xfrm>
+          <a:off x="0" y="0"/>
+          <a:ext cx="0" cy="0"/>
+          <a:chOff x="0" y="0"/>
+          <a:chExt cx="0" cy="0"/>
+        </a:xfrm>
+      </p:grpSpPr>
+      <p:sp>
+        <p:nvSpPr>
+          <p:cNvPr id="2" name="Title 1">
+            <a:extLst>
+              <a:ext uri="{FF2B5EF4-FFF2-40B4-BE49-F238E27FC236}">
+                <a16:creationId xmlns:a16="http://schemas.microsoft.com/office/drawing/2014/main" id="{7DC89BDF-DAB6-564A-98DE-C940E7FE0117}"/>
+              </a:ext>
+            </a:extLst>
+          </p:cNvPr>
+          <p:cNvSpPr>
+            <a:spLocks noGrp="1"/>
+          </p:cNvSpPr>
+          <p:nvPr>
+            <p:ph type="title"/>
+          </p:nvPr>
+        </p:nvSpPr>
+        <p:spPr/>
+        <p:txBody>
+          <a:bodyPr/>
+          <a:lstStyle/>
+          <a:p>
+            <a:r>
+              <a:rPr lang="en-GB" dirty="0"/>
+              <a:t>Java Bytecode</a:t>
+            </a:r>
+          </a:p>
+        </p:txBody>
+      </p:sp>
+      <p:sp>
+        <p:nvSpPr>
+          <p:cNvPr id="3" name="Content Placeholder 2">
+            <a:extLst>
+              <a:ext uri="{FF2B5EF4-FFF2-40B4-BE49-F238E27FC236}">
+                <a16:creationId xmlns:a16="http://schemas.microsoft.com/office/drawing/2014/main" id="{BA968592-F3B9-964C-BD85-A8426B9E63ED}"/>
+              </a:ext>
+            </a:extLst>
+          </p:cNvPr>
+          <p:cNvSpPr>
+            <a:spLocks noGrp="1"/>
+          </p:cNvSpPr>
+          <p:nvPr>
+            <p:ph idx="1"/>
+          </p:nvPr>
+        </p:nvSpPr>
+        <p:spPr/>
+        <p:txBody>
+          <a:bodyPr/>
+          <a:lstStyle/>
+          <a:p>
+            <a:r>
+              <a:rPr lang="en-GB" b="1" dirty="0"/>
+              <a:t>Which of the following are true regarding Java Bytecode?</a:t>
+            </a:r>
+          </a:p>
+          <a:p>
+            <a:pPr>
+              <a:buFont typeface="Wingdings" pitchFamily="2" charset="2"/>
+              <a:buChar char="q"/>
+            </a:pPr>
+            <a:r>
+              <a:rPr lang="en-GB" dirty="0"/>
+              <a:t> Machine/OS dependent code</a:t>
+            </a:r>
+          </a:p>
+          <a:p>
+            <a:pPr>
+              <a:buFont typeface="Wingdings" pitchFamily="2" charset="2"/>
+              <a:buChar char="q"/>
+            </a:pPr>
+            <a:r>
+              <a:rPr lang="en-GB" dirty="0"/>
+              <a:t> Produced by the compiler when compiling Java source code</a:t>
+            </a:r>
+          </a:p>
+          <a:p>
+            <a:pPr>
+              <a:buFont typeface="Wingdings" pitchFamily="2" charset="2"/>
+              <a:buChar char="q"/>
+            </a:pPr>
+            <a:r>
+              <a:rPr lang="en-GB" dirty="0"/>
+              <a:t> A form of instruction set designed for efficient execution by the Java JIT compiler</a:t>
+            </a:r>
+          </a:p>
+          <a:p>
+            <a:pPr>
+              <a:buFont typeface="Wingdings" pitchFamily="2" charset="2"/>
+              <a:buChar char="q"/>
+            </a:pPr>
+            <a:r>
+              <a:rPr lang="en-GB" dirty="0"/>
+              <a:t> Each Bytecode is composed of one byte that represents the opcode, along with zero or more bytes for operands</a:t>
+            </a:r>
+          </a:p>
+          <a:p>
+            <a:pPr>
+              <a:buFont typeface="Wingdings" pitchFamily="2" charset="2"/>
+              <a:buChar char="q"/>
+            </a:pPr>
+            <a:endParaRPr lang="en-GB" dirty="0"/>
+          </a:p>
+        </p:txBody>
+      </p:sp>
+    </p:spTree>
+    <p:extLst>
+      <p:ext uri="{BB962C8B-B14F-4D97-AF65-F5344CB8AC3E}">
+        <p14:creationId xmlns:p14="http://schemas.microsoft.com/office/powerpoint/2010/main" val="3859140524"/>
+      </p:ext>
+    </p:extLst>
+  </p:cSld>
+  <p:clrMapOvr>
+    <a:masterClrMapping/>
+  </p:clrMapOvr>
+</p:sld>
+</file>
+
+<file path=ppt/slides/slide4.xml><?xml version="1.0" encoding="utf-8"?>
+<p:sld xmlns:a="http://schemas.openxmlformats.org/drawingml/2006/main" xmlns:r="http://schemas.openxmlformats.org/officeDocument/2006/relationships" xmlns:p="http://schemas.openxmlformats.org/presentationml/2006/main">
+  <p:cSld>
+    <p:spTree>
+      <p:nvGrpSpPr>
+        <p:cNvPr id="1" name=""/>
+        <p:cNvGrpSpPr/>
+        <p:nvPr/>
+      </p:nvGrpSpPr>
+      <p:grpSpPr>
+        <a:xfrm>
+          <a:off x="0" y="0"/>
+          <a:ext cx="0" cy="0"/>
+          <a:chOff x="0" y="0"/>
+          <a:chExt cx="0" cy="0"/>
+        </a:xfrm>
+      </p:grpSpPr>
+      <p:sp>
+        <p:nvSpPr>
+          <p:cNvPr id="2" name="Title 1">
+            <a:extLst>
+              <a:ext uri="{FF2B5EF4-FFF2-40B4-BE49-F238E27FC236}">
+                <a16:creationId xmlns:a16="http://schemas.microsoft.com/office/drawing/2014/main" id="{72C2915B-BEE2-924B-8FA9-F8AD607DC7E6}"/>
+              </a:ext>
+            </a:extLst>
+          </p:cNvPr>
+          <p:cNvSpPr>
+            <a:spLocks noGrp="1"/>
+          </p:cNvSpPr>
+          <p:nvPr>
+            <p:ph type="title"/>
+          </p:nvPr>
+        </p:nvSpPr>
+        <p:spPr/>
+        <p:txBody>
+          <a:bodyPr/>
+          <a:lstStyle/>
+          <a:p>
+            <a:r>
+              <a:rPr lang="en-GB" dirty="0"/>
+              <a:t>Java Application</a:t>
+            </a:r>
+          </a:p>
+        </p:txBody>
+      </p:sp>
+      <p:sp>
+        <p:nvSpPr>
+          <p:cNvPr id="3" name="Content Placeholder 2">
+            <a:extLst>
+              <a:ext uri="{FF2B5EF4-FFF2-40B4-BE49-F238E27FC236}">
+                <a16:creationId xmlns:a16="http://schemas.microsoft.com/office/drawing/2014/main" id="{343D78CB-9570-DA4E-8BC0-49D4237BC6EF}"/>
+              </a:ext>
+            </a:extLst>
+          </p:cNvPr>
+          <p:cNvSpPr>
+            <a:spLocks noGrp="1"/>
+          </p:cNvSpPr>
+          <p:nvPr>
+            <p:ph idx="1"/>
+          </p:nvPr>
+        </p:nvSpPr>
+        <p:spPr/>
+        <p:txBody>
+          <a:bodyPr/>
+          <a:lstStyle/>
+          <a:p>
+            <a:r>
+              <a:rPr lang="en-GB" b="1" dirty="0"/>
+              <a:t>Which of the following are true regarding Java Applications?</a:t>
+            </a:r>
+          </a:p>
+          <a:p>
+            <a:pPr>
+              <a:buFont typeface="Wingdings" pitchFamily="2" charset="2"/>
+              <a:buChar char="q"/>
+            </a:pPr>
+            <a:r>
+              <a:rPr lang="en-GB" dirty="0"/>
+              <a:t> Java applications developed on a Mac OS can only run on a Mac OS or a Linux based OS</a:t>
+            </a:r>
+          </a:p>
+          <a:p>
+            <a:pPr>
+              <a:buFont typeface="Wingdings" pitchFamily="2" charset="2"/>
+              <a:buChar char="q"/>
+            </a:pPr>
+            <a:r>
+              <a:rPr lang="en-GB" dirty="0"/>
+              <a:t> Java applications can run anywhere where the JRE is installed</a:t>
+            </a:r>
+          </a:p>
+          <a:p>
+            <a:pPr>
+              <a:buFont typeface="Wingdings" pitchFamily="2" charset="2"/>
+              <a:buChar char="q"/>
+            </a:pPr>
+            <a:r>
+              <a:rPr lang="en-GB" dirty="0"/>
+              <a:t> Java applications can run anywhere natively</a:t>
+            </a:r>
+          </a:p>
+          <a:p>
+            <a:pPr>
+              <a:buFont typeface="Wingdings" pitchFamily="2" charset="2"/>
+              <a:buChar char="q"/>
+            </a:pPr>
+            <a:r>
+              <a:rPr lang="en-GB" dirty="0"/>
+              <a:t> Java applications can be found on smartcards, laptops, and datacentres</a:t>
+            </a:r>
+          </a:p>
+        </p:txBody>
+      </p:sp>
+    </p:spTree>
+    <p:extLst>
+      <p:ext uri="{BB962C8B-B14F-4D97-AF65-F5344CB8AC3E}">
+        <p14:creationId xmlns:p14="http://schemas.microsoft.com/office/powerpoint/2010/main" val="2849075791"/>
+      </p:ext>
+    </p:extLst>
+  </p:cSld>
+  <p:clrMapOvr>
+    <a:masterClrMapping/>
+  </p:clrMapOvr>
+</p:sld>
+</file>
+
+<file path=ppt/slides/slide5.xml><?xml version="1.0" encoding="utf-8"?>
+<p:sld xmlns:a="http://schemas.openxmlformats.org/drawingml/2006/main" xmlns:r="http://schemas.openxmlformats.org/officeDocument/2006/relationships" xmlns:p="http://schemas.openxmlformats.org/presentationml/2006/main">
+  <p:cSld>
+    <p:spTree>
+      <p:nvGrpSpPr>
+        <p:cNvPr id="1" name=""/>
+        <p:cNvGrpSpPr/>
+        <p:nvPr/>
+      </p:nvGrpSpPr>
+      <p:grpSpPr>
+        <a:xfrm>
+          <a:off x="0" y="0"/>
+          <a:ext cx="0" cy="0"/>
+          <a:chOff x="0" y="0"/>
+          <a:chExt cx="0" cy="0"/>
+        </a:xfrm>
+      </p:grpSpPr>
+      <p:sp>
+        <p:nvSpPr>
+          <p:cNvPr id="2" name="Title 1">
+            <a:extLst>
+              <a:ext uri="{FF2B5EF4-FFF2-40B4-BE49-F238E27FC236}">
+                <a16:creationId xmlns:a16="http://schemas.microsoft.com/office/drawing/2014/main" id="{A7FF665F-0622-0C4B-A2B8-372E0CB12EFC}"/>
+              </a:ext>
+            </a:extLst>
+          </p:cNvPr>
+          <p:cNvSpPr>
+            <a:spLocks noGrp="1"/>
+          </p:cNvSpPr>
+          <p:nvPr>
+            <p:ph type="title"/>
+          </p:nvPr>
+        </p:nvSpPr>
+        <p:spPr/>
+        <p:txBody>
+          <a:bodyPr/>
+          <a:lstStyle/>
+          <a:p>
+            <a:r>
+              <a:rPr lang="en-GB" dirty="0"/>
+              <a:t>Advantages of Gradle</a:t>
+            </a:r>
+          </a:p>
+        </p:txBody>
+      </p:sp>
+      <p:sp>
+        <p:nvSpPr>
+          <p:cNvPr id="3" name="Content Placeholder 2">
+            <a:extLst>
+              <a:ext uri="{FF2B5EF4-FFF2-40B4-BE49-F238E27FC236}">
+                <a16:creationId xmlns:a16="http://schemas.microsoft.com/office/drawing/2014/main" id="{452485E3-B4F0-F047-AD6A-02286422A7B9}"/>
+              </a:ext>
+            </a:extLst>
+          </p:cNvPr>
+          <p:cNvSpPr>
+            <a:spLocks noGrp="1"/>
+          </p:cNvSpPr>
+          <p:nvPr>
+            <p:ph idx="1"/>
+          </p:nvPr>
+        </p:nvSpPr>
+        <p:spPr/>
+        <p:txBody>
+          <a:bodyPr/>
+          <a:lstStyle/>
+          <a:p>
+            <a:r>
+              <a:rPr lang="en-GB" b="1" dirty="0"/>
+              <a:t>What are some advantages of Gradle (or similar build tools such as Maven)?</a:t>
+            </a:r>
+          </a:p>
+          <a:p>
+            <a:pPr>
+              <a:buFont typeface="Wingdings" pitchFamily="2" charset="2"/>
+              <a:buChar char="q"/>
+            </a:pPr>
+            <a:r>
+              <a:rPr lang="en-GB" dirty="0"/>
+              <a:t> Gradle manages the project dependencies</a:t>
+            </a:r>
+          </a:p>
+          <a:p>
+            <a:pPr>
+              <a:buFont typeface="Wingdings" pitchFamily="2" charset="2"/>
+              <a:buChar char="q"/>
+            </a:pPr>
+            <a:r>
+              <a:rPr lang="en-GB" dirty="0"/>
+              <a:t> Gradle configuration is part of the source repository, thus anyone can easily clone the repository and build the project without worrying about its dependencies</a:t>
+            </a:r>
+          </a:p>
+          <a:p>
+            <a:pPr>
+              <a:buFont typeface="Wingdings" pitchFamily="2" charset="2"/>
+              <a:buChar char="q"/>
+            </a:pPr>
+            <a:r>
+              <a:rPr lang="en-GB" dirty="0"/>
+              <a:t> Gradle standardise the way of working with a given project, such as </a:t>
+            </a:r>
+            <a:r>
+              <a:rPr lang="en-GB" dirty="0">
+                <a:latin typeface="Courier New" panose="02070309020205020404" pitchFamily="49" charset="0"/>
+                <a:cs typeface="Courier New" panose="02070309020205020404" pitchFamily="49" charset="0"/>
+              </a:rPr>
+              <a:t>./</a:t>
+            </a:r>
+            <a:r>
+              <a:rPr lang="en-GB" dirty="0" err="1">
+                <a:latin typeface="Courier New" panose="02070309020205020404" pitchFamily="49" charset="0"/>
+                <a:cs typeface="Courier New" panose="02070309020205020404" pitchFamily="49" charset="0"/>
+              </a:rPr>
+              <a:t>gradlew</a:t>
+            </a:r>
+            <a:r>
+              <a:rPr lang="en-GB" dirty="0">
+                <a:latin typeface="Courier New" panose="02070309020205020404" pitchFamily="49" charset="0"/>
+                <a:cs typeface="Courier New" panose="02070309020205020404" pitchFamily="49" charset="0"/>
+              </a:rPr>
+              <a:t> clean build</a:t>
+            </a:r>
+            <a:r>
+              <a:rPr lang="en-GB" dirty="0"/>
+              <a:t> will build the project</a:t>
+            </a:r>
+          </a:p>
+          <a:p>
+            <a:pPr>
+              <a:buFont typeface="Wingdings" pitchFamily="2" charset="2"/>
+              <a:buChar char="q"/>
+            </a:pPr>
+            <a:r>
+              <a:rPr lang="en-GB" dirty="0"/>
+              <a:t> Gradle, through its tasks, helps the developer packaging the application into a fat, executable JAR</a:t>
+            </a:r>
+          </a:p>
+        </p:txBody>
+      </p:sp>
+    </p:spTree>
+    <p:extLst>
+      <p:ext uri="{BB962C8B-B14F-4D97-AF65-F5344CB8AC3E}">
+        <p14:creationId xmlns:p14="http://schemas.microsoft.com/office/powerpoint/2010/main" val="723179340"/>
+      </p:ext>
+    </p:extLst>
+  </p:cSld>
+  <p:clrMapOvr>
+    <a:masterClrMapping/>
+  </p:clrMapOvr>
+</p:sld>
+</file>
+
+<file path=ppt/slides/slide6.xml><?xml version="1.0" encoding="utf-8"?>
+<p:sld xmlns:a="http://schemas.openxmlformats.org/drawingml/2006/main" xmlns:r="http://schemas.openxmlformats.org/officeDocument/2006/relationships" xmlns:p="http://schemas.openxmlformats.org/presentationml/2006/main">
+  <p:cSld>
+    <p:spTree>
+      <p:nvGrpSpPr>
+        <p:cNvPr id="1" name=""/>
+        <p:cNvGrpSpPr/>
+        <p:nvPr/>
+      </p:nvGrpSpPr>
+      <p:grpSpPr>
+        <a:xfrm>
+          <a:off x="0" y="0"/>
+          <a:ext cx="0" cy="0"/>
+          <a:chOff x="0" y="0"/>
+          <a:chExt cx="0" cy="0"/>
+        </a:xfrm>
+      </p:grpSpPr>
+      <p:sp>
+        <p:nvSpPr>
+          <p:cNvPr id="2" name="Title 1">
+            <a:extLst>
+              <a:ext uri="{FF2B5EF4-FFF2-40B4-BE49-F238E27FC236}">
+                <a16:creationId xmlns:a16="http://schemas.microsoft.com/office/drawing/2014/main" id="{2C4A68DD-4BD7-0D4E-983D-2EF7ED9BDEA6}"/>
+              </a:ext>
+            </a:extLst>
+          </p:cNvPr>
+          <p:cNvSpPr>
+            <a:spLocks noGrp="1"/>
+          </p:cNvSpPr>
+          <p:nvPr>
+            <p:ph type="title"/>
+          </p:nvPr>
+        </p:nvSpPr>
+        <p:spPr/>
+        <p:txBody>
+          <a:bodyPr/>
+          <a:lstStyle/>
+          <a:p>
+            <a:r>
+              <a:rPr lang="en-GB" dirty="0"/>
+              <a:t>The Gradle Wrapper</a:t>
+            </a:r>
+          </a:p>
+        </p:txBody>
+      </p:sp>
+      <p:sp>
+        <p:nvSpPr>
+          <p:cNvPr id="3" name="Content Placeholder 2">
+            <a:extLst>
+              <a:ext uri="{FF2B5EF4-FFF2-40B4-BE49-F238E27FC236}">
+                <a16:creationId xmlns:a16="http://schemas.microsoft.com/office/drawing/2014/main" id="{E4AB8FD9-0B84-C143-B4A8-C1F65BFD74C3}"/>
+              </a:ext>
+            </a:extLst>
+          </p:cNvPr>
+          <p:cNvSpPr>
+            <a:spLocks noGrp="1"/>
+          </p:cNvSpPr>
+          <p:nvPr>
+            <p:ph idx="1"/>
+          </p:nvPr>
+        </p:nvSpPr>
+        <p:spPr/>
+        <p:txBody>
+          <a:bodyPr/>
+          <a:lstStyle/>
+          <a:p>
+            <a:r>
+              <a:rPr lang="en-GB" b="1" dirty="0"/>
+              <a:t>What is the Gradle wrapper? </a:t>
+            </a:r>
+          </a:p>
+          <a:p>
+            <a:r>
+              <a:rPr lang="en-GB" dirty="0"/>
+              <a:t>The Gradle Wrapper is…</a:t>
+            </a:r>
+          </a:p>
+          <a:p>
+            <a:pPr>
+              <a:buFont typeface="Courier New" panose="02070309020205020404" pitchFamily="49" charset="0"/>
+              <a:buChar char="o"/>
+            </a:pPr>
+            <a:r>
+              <a:rPr lang="en-GB" dirty="0"/>
+              <a:t> a shortcut to the Gradle installed on the OS </a:t>
+            </a:r>
+          </a:p>
+          <a:p>
+            <a:pPr>
+              <a:buFont typeface="Courier New" panose="02070309020205020404" pitchFamily="49" charset="0"/>
+              <a:buChar char="o"/>
+            </a:pPr>
+            <a:r>
+              <a:rPr lang="en-GB" dirty="0"/>
+              <a:t> a script that invokes a declared version of Gradle, downloading it beforehand if necessary</a:t>
+            </a:r>
+          </a:p>
+          <a:p>
+            <a:pPr>
+              <a:buFont typeface="Courier New" panose="02070309020205020404" pitchFamily="49" charset="0"/>
+              <a:buChar char="o"/>
+            </a:pPr>
+            <a:r>
+              <a:rPr lang="en-GB" dirty="0"/>
+              <a:t> a script that works with Maven and other build tools</a:t>
+            </a:r>
+          </a:p>
+          <a:p>
+            <a:pPr>
+              <a:buFont typeface="Courier New" panose="02070309020205020404" pitchFamily="49" charset="0"/>
+              <a:buChar char="o"/>
+            </a:pPr>
+            <a:r>
+              <a:rPr lang="en-GB" dirty="0"/>
+              <a:t> a Java compiler</a:t>
+            </a:r>
+          </a:p>
+          <a:p>
+            <a:pPr>
+              <a:buFont typeface="Courier New" panose="02070309020205020404" pitchFamily="49" charset="0"/>
+              <a:buChar char="o"/>
+            </a:pPr>
+            <a:endParaRPr lang="en-GB" dirty="0"/>
+          </a:p>
+        </p:txBody>
+      </p:sp>
+    </p:spTree>
+    <p:extLst>
+      <p:ext uri="{BB962C8B-B14F-4D97-AF65-F5344CB8AC3E}">
+        <p14:creationId xmlns:p14="http://schemas.microsoft.com/office/powerpoint/2010/main" val="80938368"/>
+      </p:ext>
+    </p:extLst>
+  </p:cSld>
+  <p:clrMapOvr>
+    <a:masterClrMapping/>
+  </p:clrMapOvr>
+</p:sld>
+</file>
+
+<file path=ppt/slides/slide7.xml><?xml version="1.0" encoding="utf-8"?>
+<p:sld xmlns:a="http://schemas.openxmlformats.org/drawingml/2006/main" xmlns:r="http://schemas.openxmlformats.org/officeDocument/2006/relationships" xmlns:p="http://schemas.openxmlformats.org/presentationml/2006/main">
+  <p:cSld>
+    <p:spTree>
+      <p:nvGrpSpPr>
+        <p:cNvPr id="1" name=""/>
+        <p:cNvGrpSpPr/>
+        <p:nvPr/>
+      </p:nvGrpSpPr>
+      <p:grpSpPr>
+        <a:xfrm>
+          <a:off x="0" y="0"/>
+          <a:ext cx="0" cy="0"/>
+          <a:chOff x="0" y="0"/>
+          <a:chExt cx="0" cy="0"/>
+        </a:xfrm>
+      </p:grpSpPr>
+      <p:sp>
+        <p:nvSpPr>
+          <p:cNvPr id="2" name="Title 1">
+            <a:extLst>
+              <a:ext uri="{FF2B5EF4-FFF2-40B4-BE49-F238E27FC236}">
+                <a16:creationId xmlns:a16="http://schemas.microsoft.com/office/drawing/2014/main" id="{71A8BE90-359B-2843-8E6E-F8B1C974A7A3}"/>
+              </a:ext>
+            </a:extLst>
+          </p:cNvPr>
+          <p:cNvSpPr>
+            <a:spLocks noGrp="1"/>
+          </p:cNvSpPr>
+          <p:nvPr>
+            <p:ph type="title"/>
+          </p:nvPr>
+        </p:nvSpPr>
+        <p:spPr/>
+        <p:txBody>
+          <a:bodyPr/>
+          <a:lstStyle/>
+          <a:p>
+            <a:r>
+              <a:rPr lang="en-GB" dirty="0"/>
+              <a:t>Gradle Plugins and Dependencies</a:t>
+            </a:r>
+          </a:p>
+        </p:txBody>
+      </p:sp>
+      <p:sp>
+        <p:nvSpPr>
+          <p:cNvPr id="3" name="Content Placeholder 2">
+            <a:extLst>
+              <a:ext uri="{FF2B5EF4-FFF2-40B4-BE49-F238E27FC236}">
+                <a16:creationId xmlns:a16="http://schemas.microsoft.com/office/drawing/2014/main" id="{AC42840D-812B-2042-8BCE-E5D2E3F75F5D}"/>
+              </a:ext>
+            </a:extLst>
+          </p:cNvPr>
+          <p:cNvSpPr>
+            <a:spLocks noGrp="1"/>
+          </p:cNvSpPr>
+          <p:nvPr>
+            <p:ph idx="1"/>
+          </p:nvPr>
+        </p:nvSpPr>
+        <p:spPr/>
+        <p:txBody>
+          <a:bodyPr/>
+          <a:lstStyle/>
+          <a:p>
+            <a:r>
+              <a:rPr lang="en-GB" b="1" dirty="0"/>
+              <a:t>What is the difference between the plugins and the dependencies declared in Gradle?</a:t>
+            </a:r>
+          </a:p>
+          <a:p>
+            <a:pPr>
+              <a:buFont typeface="Courier New" panose="02070309020205020404" pitchFamily="49" charset="0"/>
+              <a:buChar char="o"/>
+            </a:pPr>
+            <a:r>
+              <a:rPr lang="en-GB" dirty="0"/>
+              <a:t> Plugins defined the project type, while Dependencies are required by the plugins</a:t>
+            </a:r>
+          </a:p>
+          <a:p>
+            <a:pPr>
+              <a:buFont typeface="Courier New" panose="02070309020205020404" pitchFamily="49" charset="0"/>
+              <a:buChar char="o"/>
+            </a:pPr>
+            <a:r>
+              <a:rPr lang="en-GB" dirty="0"/>
+              <a:t> Plugins add tasks to Gradle, while Dependencies add libraries to the project</a:t>
+            </a:r>
+          </a:p>
+          <a:p>
+            <a:pPr>
+              <a:buFont typeface="Courier New" panose="02070309020205020404" pitchFamily="49" charset="0"/>
+              <a:buChar char="o"/>
+            </a:pPr>
+            <a:r>
+              <a:rPr lang="en-GB" dirty="0"/>
+              <a:t> Plugins add libraries to the project, while Dependencies add tasks to Gradle</a:t>
+            </a:r>
+          </a:p>
+          <a:p>
+            <a:pPr>
+              <a:buFont typeface="Courier New" panose="02070309020205020404" pitchFamily="49" charset="0"/>
+              <a:buChar char="o"/>
+            </a:pPr>
+            <a:r>
+              <a:rPr lang="en-GB" dirty="0"/>
+              <a:t> Plugins and Dependencies can be used interchangeably and there is no difference</a:t>
+            </a:r>
+          </a:p>
+        </p:txBody>
+      </p:sp>
+    </p:spTree>
+    <p:extLst>
+      <p:ext uri="{BB962C8B-B14F-4D97-AF65-F5344CB8AC3E}">
+        <p14:creationId xmlns:p14="http://schemas.microsoft.com/office/powerpoint/2010/main" val="1588525840"/>
+      </p:ext>
+    </p:extLst>
+  </p:cSld>
+  <p:clrMapOvr>
+    <a:masterClrMapping/>
+  </p:clrMapOvr>
+</p:sld>
+</file>
+
+<file path=ppt/slides/slide8.xml><?xml version="1.0" encoding="utf-8"?>
+<p:sld xmlns:a="http://schemas.openxmlformats.org/drawingml/2006/main" xmlns:r="http://schemas.openxmlformats.org/officeDocument/2006/relationships" xmlns:p="http://schemas.openxmlformats.org/presentationml/2006/main">
+  <p:cSld>
+    <p:spTree>
+      <p:nvGrpSpPr>
+        <p:cNvPr id="1" name=""/>
+        <p:cNvGrpSpPr/>
+        <p:nvPr/>
+      </p:nvGrpSpPr>
+      <p:grpSpPr>
+        <a:xfrm>
+          <a:off x="0" y="0"/>
+          <a:ext cx="0" cy="0"/>
+          <a:chOff x="0" y="0"/>
+          <a:chExt cx="0" cy="0"/>
+        </a:xfrm>
+      </p:grpSpPr>
+      <p:sp>
+        <p:nvSpPr>
+          <p:cNvPr id="2" name="Title 1">
+            <a:extLst>
+              <a:ext uri="{FF2B5EF4-FFF2-40B4-BE49-F238E27FC236}">
+                <a16:creationId xmlns:a16="http://schemas.microsoft.com/office/drawing/2014/main" id="{9658E3AB-D89D-D54D-98C4-661280362E2F}"/>
+              </a:ext>
+            </a:extLst>
+          </p:cNvPr>
+          <p:cNvSpPr>
+            <a:spLocks noGrp="1"/>
+          </p:cNvSpPr>
+          <p:nvPr>
+            <p:ph type="title"/>
+          </p:nvPr>
+        </p:nvSpPr>
+        <p:spPr/>
+        <p:txBody>
+          <a:bodyPr/>
+          <a:lstStyle/>
+          <a:p>
+            <a:r>
+              <a:rPr lang="en-GB" dirty="0"/>
+              <a:t>Gradle Plugins</a:t>
+            </a:r>
+          </a:p>
+        </p:txBody>
+      </p:sp>
+      <p:sp>
+        <p:nvSpPr>
+          <p:cNvPr id="3" name="Content Placeholder 2">
+            <a:extLst>
+              <a:ext uri="{FF2B5EF4-FFF2-40B4-BE49-F238E27FC236}">
+                <a16:creationId xmlns:a16="http://schemas.microsoft.com/office/drawing/2014/main" id="{54DBF18E-6790-A54C-9449-6D3D89CC3B54}"/>
+              </a:ext>
+            </a:extLst>
+          </p:cNvPr>
+          <p:cNvSpPr>
+            <a:spLocks noGrp="1"/>
+          </p:cNvSpPr>
+          <p:nvPr>
+            <p:ph idx="1"/>
+          </p:nvPr>
+        </p:nvSpPr>
+        <p:spPr/>
+        <p:txBody>
+          <a:bodyPr/>
+          <a:lstStyle/>
+          <a:p>
+            <a:r>
+              <a:rPr lang="en-GB" b="1" dirty="0"/>
+              <a:t>Are the Gradle plugins packaged as of the application?</a:t>
+            </a:r>
+          </a:p>
+          <a:p>
+            <a:pPr>
+              <a:buFont typeface="Wingdings" pitchFamily="2" charset="2"/>
+              <a:buChar char="q"/>
+            </a:pPr>
+            <a:r>
+              <a:rPr lang="en-GB" dirty="0"/>
+              <a:t> No, the Gradle plugins add tasks to Gradle</a:t>
+            </a:r>
+          </a:p>
+          <a:p>
+            <a:pPr>
+              <a:buFont typeface="Wingdings" pitchFamily="2" charset="2"/>
+              <a:buChar char="q"/>
+            </a:pPr>
+            <a:r>
+              <a:rPr lang="en-GB" dirty="0"/>
+              <a:t> No, the Gradle plugins are defined in the Gradle configuration file, which is part of the application source</a:t>
+            </a:r>
+          </a:p>
+          <a:p>
+            <a:pPr>
+              <a:buFont typeface="Wingdings" pitchFamily="2" charset="2"/>
+              <a:buChar char="q"/>
+            </a:pPr>
+            <a:r>
+              <a:rPr lang="en-GB" dirty="0"/>
+              <a:t> Yes, the Gradle plugins are compiled and packaged with the application as a fat JAR</a:t>
+            </a:r>
+          </a:p>
+          <a:p>
+            <a:pPr>
+              <a:buFont typeface="Wingdings" pitchFamily="2" charset="2"/>
+              <a:buChar char="q"/>
+            </a:pPr>
+            <a:r>
+              <a:rPr lang="en-GB" dirty="0"/>
+              <a:t> No, a task defined by a Gradle plugin may be used to build or create a fat JAR, but the plugin itself is not part of the fat JAR</a:t>
+            </a:r>
+          </a:p>
+        </p:txBody>
+      </p:sp>
+    </p:spTree>
+    <p:extLst>
+      <p:ext uri="{BB962C8B-B14F-4D97-AF65-F5344CB8AC3E}">
+        <p14:creationId xmlns:p14="http://schemas.microsoft.com/office/powerpoint/2010/main" val="2248484011"/>
+      </p:ext>
+    </p:extLst>
+  </p:cSld>
+  <p:clrMapOvr>
+    <a:masterClrMapping/>
+  </p:clrMapOvr>
+</p:sld>
+</file>
+
+<file path=ppt/slides/slide9.xml><?xml version="1.0" encoding="utf-8"?>
+<p:sld xmlns:a="http://schemas.openxmlformats.org/drawingml/2006/main" xmlns:r="http://schemas.openxmlformats.org/officeDocument/2006/relationships" xmlns:p="http://schemas.openxmlformats.org/presentationml/2006/main">
+  <p:cSld>
+    <p:spTree>
+      <p:nvGrpSpPr>
+        <p:cNvPr id="1" name=""/>
+        <p:cNvGrpSpPr/>
+        <p:nvPr/>
+      </p:nvGrpSpPr>
+      <p:grpSpPr>
+        <a:xfrm>
+          <a:off x="0" y="0"/>
+          <a:ext cx="0" cy="0"/>
+          <a:chOff x="0" y="0"/>
+          <a:chExt cx="0" cy="0"/>
+        </a:xfrm>
+      </p:grpSpPr>
+      <p:sp>
+        <p:nvSpPr>
+          <p:cNvPr id="2" name="Title 1">
+            <a:extLst>
+              <a:ext uri="{FF2B5EF4-FFF2-40B4-BE49-F238E27FC236}">
+                <a16:creationId xmlns:a16="http://schemas.microsoft.com/office/drawing/2014/main" id="{2F0D0CD9-609B-CE4D-8AFF-0390D6F47C61}"/>
+              </a:ext>
+            </a:extLst>
+          </p:cNvPr>
+          <p:cNvSpPr>
+            <a:spLocks noGrp="1"/>
+          </p:cNvSpPr>
+          <p:nvPr>
+            <p:ph type="title"/>
+          </p:nvPr>
+        </p:nvSpPr>
+        <p:spPr/>
+        <p:txBody>
+          <a:bodyPr/>
+          <a:lstStyle/>
+          <a:p>
+            <a:r>
+              <a:rPr lang="en-GB" dirty="0"/>
+              <a:t>Configure Gradle</a:t>
+            </a:r>
+          </a:p>
+        </p:txBody>
+      </p:sp>
+      <p:sp>
+        <p:nvSpPr>
+          <p:cNvPr id="3" name="Content Placeholder 2">
+            <a:extLst>
+              <a:ext uri="{FF2B5EF4-FFF2-40B4-BE49-F238E27FC236}">
+                <a16:creationId xmlns:a16="http://schemas.microsoft.com/office/drawing/2014/main" id="{FE03391E-17D9-4740-97AD-EE2631A4F95B}"/>
+              </a:ext>
+            </a:extLst>
+          </p:cNvPr>
+          <p:cNvSpPr>
+            <a:spLocks noGrp="1"/>
+          </p:cNvSpPr>
+          <p:nvPr>
+            <p:ph idx="1"/>
+          </p:nvPr>
+        </p:nvSpPr>
+        <p:spPr/>
+        <p:txBody>
+          <a:bodyPr/>
+          <a:lstStyle/>
+          <a:p>
+            <a:r>
+              <a:rPr lang="en-GB" b="1" dirty="0"/>
+              <a:t>Given that I am in the project directory, which file do I need to modify to add new Gradle plugins or dependencies?</a:t>
+            </a:r>
+          </a:p>
+          <a:p>
+            <a:pPr>
+              <a:buFont typeface="Courier New" panose="02070309020205020404" pitchFamily="49" charset="0"/>
+              <a:buChar char="o"/>
+            </a:pPr>
+            <a:r>
+              <a:rPr lang="en-GB" dirty="0"/>
+              <a:t> </a:t>
+            </a:r>
+            <a:r>
+              <a:rPr lang="en-GB" dirty="0" err="1">
+                <a:latin typeface="Courier New" panose="02070309020205020404" pitchFamily="49" charset="0"/>
+                <a:cs typeface="Courier New" panose="02070309020205020404" pitchFamily="49" charset="0"/>
+              </a:rPr>
+              <a:t>gradle</a:t>
+            </a:r>
+            <a:endParaRPr lang="en-GB" dirty="0">
+              <a:latin typeface="Courier New" panose="02070309020205020404" pitchFamily="49" charset="0"/>
+              <a:cs typeface="Courier New" panose="02070309020205020404" pitchFamily="49" charset="0"/>
+            </a:endParaRPr>
+          </a:p>
+          <a:p>
+            <a:pPr>
+              <a:buFont typeface="Courier New" panose="02070309020205020404" pitchFamily="49" charset="0"/>
+              <a:buChar char="o"/>
+            </a:pPr>
+            <a:r>
+              <a:rPr lang="en-GB" dirty="0"/>
+              <a:t> </a:t>
+            </a:r>
+            <a:r>
+              <a:rPr lang="en-GB" dirty="0" err="1">
+                <a:latin typeface="Courier New" panose="02070309020205020404" pitchFamily="49" charset="0"/>
+                <a:cs typeface="Courier New" panose="02070309020205020404" pitchFamily="49" charset="0"/>
+              </a:rPr>
+              <a:t>gradlew</a:t>
+            </a:r>
+            <a:endParaRPr lang="en-GB" dirty="0">
+              <a:latin typeface="Courier New" panose="02070309020205020404" pitchFamily="49" charset="0"/>
+              <a:cs typeface="Courier New" panose="02070309020205020404" pitchFamily="49" charset="0"/>
+            </a:endParaRPr>
+          </a:p>
+          <a:p>
+            <a:pPr>
+              <a:buFont typeface="Courier New" panose="02070309020205020404" pitchFamily="49" charset="0"/>
+              <a:buChar char="o"/>
+            </a:pPr>
+            <a:r>
+              <a:rPr lang="en-GB" dirty="0"/>
+              <a:t> </a:t>
+            </a:r>
+            <a:r>
+              <a:rPr lang="en-GB" dirty="0" err="1">
+                <a:latin typeface="Courier New" panose="02070309020205020404" pitchFamily="49" charset="0"/>
+                <a:cs typeface="Courier New" panose="02070309020205020404" pitchFamily="49" charset="0"/>
+              </a:rPr>
+              <a:t>build.gradle</a:t>
+            </a:r>
+            <a:endParaRPr lang="en-GB" dirty="0">
+              <a:latin typeface="Courier New" panose="02070309020205020404" pitchFamily="49" charset="0"/>
+              <a:cs typeface="Courier New" panose="02070309020205020404" pitchFamily="49" charset="0"/>
+            </a:endParaRPr>
+          </a:p>
+          <a:p>
+            <a:pPr>
+              <a:buFont typeface="Courier New" panose="02070309020205020404" pitchFamily="49" charset="0"/>
+              <a:buChar char="o"/>
+            </a:pPr>
+            <a:r>
+              <a:rPr lang="en-GB" dirty="0"/>
+              <a:t> </a:t>
+            </a:r>
+            <a:r>
+              <a:rPr lang="en-GB" dirty="0" err="1">
+                <a:latin typeface="Courier New" panose="02070309020205020404" pitchFamily="49" charset="0"/>
+                <a:cs typeface="Courier New" panose="02070309020205020404" pitchFamily="49" charset="0"/>
+              </a:rPr>
+              <a:t>gradle</a:t>
+            </a:r>
+            <a:r>
+              <a:rPr lang="en-GB" dirty="0">
+                <a:latin typeface="Courier New" panose="02070309020205020404" pitchFamily="49" charset="0"/>
+                <a:cs typeface="Courier New" panose="02070309020205020404" pitchFamily="49" charset="0"/>
+              </a:rPr>
+              <a:t>/wrapper/</a:t>
+            </a:r>
+            <a:r>
+              <a:rPr lang="en-GB" dirty="0" err="1">
+                <a:latin typeface="Courier New" panose="02070309020205020404" pitchFamily="49" charset="0"/>
+                <a:cs typeface="Courier New" panose="02070309020205020404" pitchFamily="49" charset="0"/>
+              </a:rPr>
+              <a:t>gradle-wrapper.properties</a:t>
+            </a:r>
+            <a:endParaRPr lang="en-GB" dirty="0">
+              <a:latin typeface="Courier New" panose="02070309020205020404" pitchFamily="49" charset="0"/>
+              <a:cs typeface="Courier New" panose="02070309020205020404" pitchFamily="49" charset="0"/>
+            </a:endParaRPr>
+          </a:p>
+          <a:p>
+            <a:pPr>
+              <a:buFont typeface="Courier New" panose="02070309020205020404" pitchFamily="49" charset="0"/>
+              <a:buChar char="o"/>
+            </a:pPr>
+            <a:endParaRPr lang="en-GB" dirty="0"/>
+          </a:p>
+        </p:txBody>
+      </p:sp>
+    </p:spTree>
+    <p:extLst>
+      <p:ext uri="{BB962C8B-B14F-4D97-AF65-F5344CB8AC3E}">
+        <p14:creationId xmlns:p14="http://schemas.microsoft.com/office/powerpoint/2010/main" val="3923866437"/>
       </p:ext>
     </p:extLst>
   </p:cSld>
